--- a/module-09-trees/figures/kruskal.pptx
+++ b/module-09-trees/figures/kruskal.pptx
@@ -104,6 +104,11 @@
       </a:defRPr>
     </a:lvl9pPr>
   </p:defaultTextStyle>
+  <p:extLst>
+    <p:ext uri="{EFAFB233-063F-42B5-8137-9DF3F51BA10A}">
+      <p15:sldGuideLst xmlns:p15="http://schemas.microsoft.com/office/powerpoint/2012/main"/>
+    </p:ext>
+  </p:extLst>
 </p:presentation>
 </file>
 
@@ -254,7 +259,7 @@
           <a:p>
             <a:fld id="{4B88246E-9895-B54D-8712-78198CADACB1}" type="datetimeFigureOut">
               <a:rPr lang="en-US" smtClean="0"/>
-              <a:t>4/22/21</a:t>
+              <a:t>4/27/21</a:t>
             </a:fld>
             <a:endParaRPr lang="en-US"/>
           </a:p>
@@ -452,7 +457,7 @@
           <a:p>
             <a:fld id="{4B88246E-9895-B54D-8712-78198CADACB1}" type="datetimeFigureOut">
               <a:rPr lang="en-US" smtClean="0"/>
-              <a:t>4/22/21</a:t>
+              <a:t>4/27/21</a:t>
             </a:fld>
             <a:endParaRPr lang="en-US"/>
           </a:p>
@@ -660,7 +665,7 @@
           <a:p>
             <a:fld id="{4B88246E-9895-B54D-8712-78198CADACB1}" type="datetimeFigureOut">
               <a:rPr lang="en-US" smtClean="0"/>
-              <a:t>4/22/21</a:t>
+              <a:t>4/27/21</a:t>
             </a:fld>
             <a:endParaRPr lang="en-US"/>
           </a:p>
@@ -858,7 +863,7 @@
           <a:p>
             <a:fld id="{4B88246E-9895-B54D-8712-78198CADACB1}" type="datetimeFigureOut">
               <a:rPr lang="en-US" smtClean="0"/>
-              <a:t>4/22/21</a:t>
+              <a:t>4/27/21</a:t>
             </a:fld>
             <a:endParaRPr lang="en-US"/>
           </a:p>
@@ -1133,7 +1138,7 @@
           <a:p>
             <a:fld id="{4B88246E-9895-B54D-8712-78198CADACB1}" type="datetimeFigureOut">
               <a:rPr lang="en-US" smtClean="0"/>
-              <a:t>4/22/21</a:t>
+              <a:t>4/27/21</a:t>
             </a:fld>
             <a:endParaRPr lang="en-US"/>
           </a:p>
@@ -1398,7 +1403,7 @@
           <a:p>
             <a:fld id="{4B88246E-9895-B54D-8712-78198CADACB1}" type="datetimeFigureOut">
               <a:rPr lang="en-US" smtClean="0"/>
-              <a:t>4/22/21</a:t>
+              <a:t>4/27/21</a:t>
             </a:fld>
             <a:endParaRPr lang="en-US"/>
           </a:p>
@@ -1810,7 +1815,7 @@
           <a:p>
             <a:fld id="{4B88246E-9895-B54D-8712-78198CADACB1}" type="datetimeFigureOut">
               <a:rPr lang="en-US" smtClean="0"/>
-              <a:t>4/22/21</a:t>
+              <a:t>4/27/21</a:t>
             </a:fld>
             <a:endParaRPr lang="en-US"/>
           </a:p>
@@ -1951,7 +1956,7 @@
           <a:p>
             <a:fld id="{4B88246E-9895-B54D-8712-78198CADACB1}" type="datetimeFigureOut">
               <a:rPr lang="en-US" smtClean="0"/>
-              <a:t>4/22/21</a:t>
+              <a:t>4/27/21</a:t>
             </a:fld>
             <a:endParaRPr lang="en-US"/>
           </a:p>
@@ -2064,7 +2069,7 @@
           <a:p>
             <a:fld id="{4B88246E-9895-B54D-8712-78198CADACB1}" type="datetimeFigureOut">
               <a:rPr lang="en-US" smtClean="0"/>
-              <a:t>4/22/21</a:t>
+              <a:t>4/27/21</a:t>
             </a:fld>
             <a:endParaRPr lang="en-US"/>
           </a:p>
@@ -2375,7 +2380,7 @@
           <a:p>
             <a:fld id="{4B88246E-9895-B54D-8712-78198CADACB1}" type="datetimeFigureOut">
               <a:rPr lang="en-US" smtClean="0"/>
-              <a:t>4/22/21</a:t>
+              <a:t>4/27/21</a:t>
             </a:fld>
             <a:endParaRPr lang="en-US"/>
           </a:p>
@@ -2663,7 +2668,7 @@
           <a:p>
             <a:fld id="{4B88246E-9895-B54D-8712-78198CADACB1}" type="datetimeFigureOut">
               <a:rPr lang="en-US" smtClean="0"/>
-              <a:t>4/22/21</a:t>
+              <a:t>4/27/21</a:t>
             </a:fld>
             <a:endParaRPr lang="en-US"/>
           </a:p>
@@ -2904,7 +2909,7 @@
           <a:p>
             <a:fld id="{4B88246E-9895-B54D-8712-78198CADACB1}" type="datetimeFigureOut">
               <a:rPr lang="en-US" smtClean="0"/>
-              <a:t>4/22/21</a:t>
+              <a:t>4/27/21</a:t>
             </a:fld>
             <a:endParaRPr lang="en-US"/>
           </a:p>
@@ -3368,6 +3373,348 @@
           </a:extLst>
         </p:spPr>
       </p:pic>
+      <p:cxnSp>
+        <p:nvCxnSpPr>
+          <p:cNvPr id="3" name="Straight Connector 2">
+            <a:extLst>
+              <a:ext uri="{FF2B5EF4-FFF2-40B4-BE49-F238E27FC236}">
+                <a16:creationId xmlns:a16="http://schemas.microsoft.com/office/drawing/2014/main" id="{0D5895EF-0F02-3542-969E-3D78A4AD7AB7}"/>
+              </a:ext>
+            </a:extLst>
+          </p:cNvPr>
+          <p:cNvCxnSpPr>
+            <a:stCxn id="1026" idx="1"/>
+            <a:endCxn id="1026" idx="3"/>
+          </p:cNvCxnSpPr>
+          <p:nvPr/>
+        </p:nvCxnSpPr>
+        <p:spPr>
+          <a:xfrm>
+            <a:off x="2203450" y="3429000"/>
+            <a:ext cx="7440613" cy="0"/>
+          </a:xfrm>
+          <a:prstGeom prst="line">
+            <a:avLst/>
+          </a:prstGeom>
+          <a:ln w="12700">
+            <a:prstDash val="lgDash"/>
+          </a:ln>
+        </p:spPr>
+        <p:style>
+          <a:lnRef idx="1">
+            <a:schemeClr val="dk1"/>
+          </a:lnRef>
+          <a:fillRef idx="0">
+            <a:schemeClr val="dk1"/>
+          </a:fillRef>
+          <a:effectRef idx="0">
+            <a:schemeClr val="dk1"/>
+          </a:effectRef>
+          <a:fontRef idx="minor">
+            <a:schemeClr val="tx1"/>
+          </a:fontRef>
+        </p:style>
+      </p:cxnSp>
+      <p:cxnSp>
+        <p:nvCxnSpPr>
+          <p:cNvPr id="5" name="Straight Connector 4">
+            <a:extLst>
+              <a:ext uri="{FF2B5EF4-FFF2-40B4-BE49-F238E27FC236}">
+                <a16:creationId xmlns:a16="http://schemas.microsoft.com/office/drawing/2014/main" id="{DBA05854-AEF0-A64B-84F8-A71EF84D891D}"/>
+              </a:ext>
+            </a:extLst>
+          </p:cNvPr>
+          <p:cNvCxnSpPr>
+            <a:cxnSpLocks/>
+          </p:cNvCxnSpPr>
+          <p:nvPr/>
+        </p:nvCxnSpPr>
+        <p:spPr>
+          <a:xfrm>
+            <a:off x="4659682" y="435279"/>
+            <a:ext cx="0" cy="5987441"/>
+          </a:xfrm>
+          <a:prstGeom prst="line">
+            <a:avLst/>
+          </a:prstGeom>
+          <a:ln w="12700">
+            <a:prstDash val="lgDash"/>
+          </a:ln>
+        </p:spPr>
+        <p:style>
+          <a:lnRef idx="1">
+            <a:schemeClr val="dk1"/>
+          </a:lnRef>
+          <a:fillRef idx="0">
+            <a:schemeClr val="dk1"/>
+          </a:fillRef>
+          <a:effectRef idx="0">
+            <a:schemeClr val="dk1"/>
+          </a:effectRef>
+          <a:fontRef idx="minor">
+            <a:schemeClr val="tx1"/>
+          </a:fontRef>
+        </p:style>
+      </p:cxnSp>
+      <p:cxnSp>
+        <p:nvCxnSpPr>
+          <p:cNvPr id="8" name="Straight Connector 7">
+            <a:extLst>
+              <a:ext uri="{FF2B5EF4-FFF2-40B4-BE49-F238E27FC236}">
+                <a16:creationId xmlns:a16="http://schemas.microsoft.com/office/drawing/2014/main" id="{616C8C4F-2499-644E-B9B4-5D3A7DF38CE6}"/>
+              </a:ext>
+            </a:extLst>
+          </p:cNvPr>
+          <p:cNvCxnSpPr>
+            <a:cxnSpLocks/>
+          </p:cNvCxnSpPr>
+          <p:nvPr/>
+        </p:nvCxnSpPr>
+        <p:spPr>
+          <a:xfrm>
+            <a:off x="7166975" y="435279"/>
+            <a:ext cx="0" cy="5987441"/>
+          </a:xfrm>
+          <a:prstGeom prst="line">
+            <a:avLst/>
+          </a:prstGeom>
+          <a:ln w="12700">
+            <a:prstDash val="lgDash"/>
+          </a:ln>
+        </p:spPr>
+        <p:style>
+          <a:lnRef idx="1">
+            <a:schemeClr val="dk1"/>
+          </a:lnRef>
+          <a:fillRef idx="0">
+            <a:schemeClr val="dk1"/>
+          </a:fillRef>
+          <a:effectRef idx="0">
+            <a:schemeClr val="dk1"/>
+          </a:effectRef>
+          <a:fontRef idx="minor">
+            <a:schemeClr val="tx1"/>
+          </a:fontRef>
+        </p:style>
+      </p:cxnSp>
+      <p:sp>
+        <p:nvSpPr>
+          <p:cNvPr id="10" name="Right Arrow 9">
+            <a:extLst>
+              <a:ext uri="{FF2B5EF4-FFF2-40B4-BE49-F238E27FC236}">
+                <a16:creationId xmlns:a16="http://schemas.microsoft.com/office/drawing/2014/main" id="{009DB987-E3F3-1D4F-9044-E158C05EDEA8}"/>
+              </a:ext>
+            </a:extLst>
+          </p:cNvPr>
+          <p:cNvSpPr/>
+          <p:nvPr/>
+        </p:nvSpPr>
+        <p:spPr>
+          <a:xfrm>
+            <a:off x="4496355" y="1440571"/>
+            <a:ext cx="326654" cy="983137"/>
+          </a:xfrm>
+          <a:prstGeom prst="rightArrow">
+            <a:avLst/>
+          </a:prstGeom>
+          <a:solidFill>
+            <a:schemeClr val="accent1">
+              <a:lumMod val="40000"/>
+              <a:lumOff val="60000"/>
+            </a:schemeClr>
+          </a:solidFill>
+        </p:spPr>
+        <p:style>
+          <a:lnRef idx="2">
+            <a:schemeClr val="accent1">
+              <a:shade val="50000"/>
+            </a:schemeClr>
+          </a:lnRef>
+          <a:fillRef idx="1">
+            <a:schemeClr val="accent1"/>
+          </a:fillRef>
+          <a:effectRef idx="0">
+            <a:schemeClr val="accent1"/>
+          </a:effectRef>
+          <a:fontRef idx="minor">
+            <a:schemeClr val="lt1"/>
+          </a:fontRef>
+        </p:style>
+        <p:txBody>
+          <a:bodyPr rtlCol="0" anchor="ctr"/>
+          <a:lstStyle/>
+          <a:p>
+            <a:pPr algn="ctr"/>
+            <a:endParaRPr lang="en-US"/>
+          </a:p>
+        </p:txBody>
+      </p:sp>
+      <p:sp>
+        <p:nvSpPr>
+          <p:cNvPr id="12" name="Right Arrow 11">
+            <a:extLst>
+              <a:ext uri="{FF2B5EF4-FFF2-40B4-BE49-F238E27FC236}">
+                <a16:creationId xmlns:a16="http://schemas.microsoft.com/office/drawing/2014/main" id="{E85A0319-5CBB-BD44-B81B-8DB8510F42EA}"/>
+              </a:ext>
+            </a:extLst>
+          </p:cNvPr>
+          <p:cNvSpPr/>
+          <p:nvPr/>
+        </p:nvSpPr>
+        <p:spPr>
+          <a:xfrm>
+            <a:off x="7003648" y="1440570"/>
+            <a:ext cx="326654" cy="983137"/>
+          </a:xfrm>
+          <a:prstGeom prst="rightArrow">
+            <a:avLst/>
+          </a:prstGeom>
+          <a:solidFill>
+            <a:schemeClr val="accent1">
+              <a:lumMod val="40000"/>
+              <a:lumOff val="60000"/>
+            </a:schemeClr>
+          </a:solidFill>
+        </p:spPr>
+        <p:style>
+          <a:lnRef idx="2">
+            <a:schemeClr val="accent1">
+              <a:shade val="50000"/>
+            </a:schemeClr>
+          </a:lnRef>
+          <a:fillRef idx="1">
+            <a:schemeClr val="accent1"/>
+          </a:fillRef>
+          <a:effectRef idx="0">
+            <a:schemeClr val="accent1"/>
+          </a:effectRef>
+          <a:fontRef idx="minor">
+            <a:schemeClr val="lt1"/>
+          </a:fontRef>
+        </p:style>
+        <p:txBody>
+          <a:bodyPr rtlCol="0" anchor="ctr"/>
+          <a:lstStyle/>
+          <a:p>
+            <a:pPr algn="ctr"/>
+            <a:endParaRPr lang="en-US"/>
+          </a:p>
+        </p:txBody>
+      </p:sp>
+      <p:sp>
+        <p:nvSpPr>
+          <p:cNvPr id="14" name="Right Arrow 13">
+            <a:extLst>
+              <a:ext uri="{FF2B5EF4-FFF2-40B4-BE49-F238E27FC236}">
+                <a16:creationId xmlns:a16="http://schemas.microsoft.com/office/drawing/2014/main" id="{75276453-37A8-1441-A154-C231EAF7BF35}"/>
+              </a:ext>
+            </a:extLst>
+          </p:cNvPr>
+          <p:cNvSpPr/>
+          <p:nvPr/>
+        </p:nvSpPr>
+        <p:spPr>
+          <a:xfrm>
+            <a:off x="4496355" y="4449784"/>
+            <a:ext cx="326654" cy="983137"/>
+          </a:xfrm>
+          <a:prstGeom prst="rightArrow">
+            <a:avLst/>
+          </a:prstGeom>
+          <a:solidFill>
+            <a:schemeClr val="accent2">
+              <a:lumMod val="20000"/>
+              <a:lumOff val="80000"/>
+            </a:schemeClr>
+          </a:solidFill>
+          <a:ln>
+            <a:solidFill>
+              <a:srgbClr val="FFC000"/>
+            </a:solidFill>
+          </a:ln>
+        </p:spPr>
+        <p:style>
+          <a:lnRef idx="2">
+            <a:schemeClr val="accent1">
+              <a:shade val="50000"/>
+            </a:schemeClr>
+          </a:lnRef>
+          <a:fillRef idx="1">
+            <a:schemeClr val="accent1"/>
+          </a:fillRef>
+          <a:effectRef idx="0">
+            <a:schemeClr val="accent1"/>
+          </a:effectRef>
+          <a:fontRef idx="minor">
+            <a:schemeClr val="lt1"/>
+          </a:fontRef>
+        </p:style>
+        <p:txBody>
+          <a:bodyPr rtlCol="0" anchor="ctr"/>
+          <a:lstStyle/>
+          <a:p>
+            <a:pPr algn="ctr"/>
+            <a:endParaRPr lang="en-US"/>
+          </a:p>
+        </p:txBody>
+      </p:sp>
+      <p:sp>
+        <p:nvSpPr>
+          <p:cNvPr id="15" name="Right Arrow 14">
+            <a:extLst>
+              <a:ext uri="{FF2B5EF4-FFF2-40B4-BE49-F238E27FC236}">
+                <a16:creationId xmlns:a16="http://schemas.microsoft.com/office/drawing/2014/main" id="{CBFF1ED7-26D5-9B4D-9638-14EEDBFB0657}"/>
+              </a:ext>
+            </a:extLst>
+          </p:cNvPr>
+          <p:cNvSpPr/>
+          <p:nvPr/>
+        </p:nvSpPr>
+        <p:spPr>
+          <a:xfrm>
+            <a:off x="7003648" y="4449783"/>
+            <a:ext cx="326654" cy="983137"/>
+          </a:xfrm>
+          <a:prstGeom prst="rightArrow">
+            <a:avLst/>
+          </a:prstGeom>
+          <a:solidFill>
+            <a:schemeClr val="accent2">
+              <a:lumMod val="20000"/>
+              <a:lumOff val="80000"/>
+            </a:schemeClr>
+          </a:solidFill>
+          <a:ln>
+            <a:solidFill>
+              <a:srgbClr val="FFC000"/>
+            </a:solidFill>
+          </a:ln>
+        </p:spPr>
+        <p:style>
+          <a:lnRef idx="2">
+            <a:schemeClr val="accent1">
+              <a:shade val="50000"/>
+            </a:schemeClr>
+          </a:lnRef>
+          <a:fillRef idx="1">
+            <a:schemeClr val="accent1"/>
+          </a:fillRef>
+          <a:effectRef idx="0">
+            <a:schemeClr val="accent1"/>
+          </a:effectRef>
+          <a:fontRef idx="minor">
+            <a:schemeClr val="lt1"/>
+          </a:fontRef>
+        </p:style>
+        <p:txBody>
+          <a:bodyPr rtlCol="0" anchor="ctr"/>
+          <a:lstStyle/>
+          <a:p>
+            <a:pPr algn="ctr"/>
+            <a:endParaRPr lang="en-US"/>
+          </a:p>
+        </p:txBody>
+      </p:sp>
     </p:spTree>
     <p:extLst>
       <p:ext uri="{BB962C8B-B14F-4D97-AF65-F5344CB8AC3E}">

--- a/module-09-trees/figures/kruskal.pptx
+++ b/module-09-trees/figures/kruskal.pptx
@@ -2,18 +2,19 @@
 <file path=ppt/presentation.xml><?xml version="1.0" encoding="utf-8"?>
 <p:presentation xmlns:a="http://schemas.openxmlformats.org/drawingml/2006/main" xmlns:r="http://schemas.openxmlformats.org/officeDocument/2006/relationships" xmlns:p="http://schemas.openxmlformats.org/presentationml/2006/main" saveSubsetFonts="1" autoCompressPictures="0">
   <p:sldMasterIdLst>
-    <p:sldMasterId id="2147483648" r:id="rId1"/>
+    <p:sldMasterId id="2147483660" r:id="rId1"/>
   </p:sldMasterIdLst>
   <p:sldIdLst>
     <p:sldId id="256" r:id="rId2"/>
+    <p:sldId id="257" r:id="rId3"/>
   </p:sldIdLst>
-  <p:sldSz cx="12192000" cy="6858000"/>
+  <p:sldSz cx="12192000" cy="13716000"/>
   <p:notesSz cx="6858000" cy="9144000"/>
   <p:defaultTextStyle>
     <a:defPPr>
       <a:defRPr lang="en-US"/>
     </a:defPPr>
-    <a:lvl1pPr marL="0" algn="l" defTabSz="914400" rtl="0" eaLnBrk="1" latinLnBrk="0" hangingPunct="1">
+    <a:lvl1pPr marL="0" algn="l" defTabSz="457200" rtl="0" eaLnBrk="1" latinLnBrk="0" hangingPunct="1">
       <a:defRPr sz="1800" kern="1200">
         <a:solidFill>
           <a:schemeClr val="tx1"/>
@@ -23,7 +24,7 @@
         <a:cs typeface="+mn-cs"/>
       </a:defRPr>
     </a:lvl1pPr>
-    <a:lvl2pPr marL="457200" algn="l" defTabSz="914400" rtl="0" eaLnBrk="1" latinLnBrk="0" hangingPunct="1">
+    <a:lvl2pPr marL="457200" algn="l" defTabSz="457200" rtl="0" eaLnBrk="1" latinLnBrk="0" hangingPunct="1">
       <a:defRPr sz="1800" kern="1200">
         <a:solidFill>
           <a:schemeClr val="tx1"/>
@@ -33,7 +34,7 @@
         <a:cs typeface="+mn-cs"/>
       </a:defRPr>
     </a:lvl2pPr>
-    <a:lvl3pPr marL="914400" algn="l" defTabSz="914400" rtl="0" eaLnBrk="1" latinLnBrk="0" hangingPunct="1">
+    <a:lvl3pPr marL="914400" algn="l" defTabSz="457200" rtl="0" eaLnBrk="1" latinLnBrk="0" hangingPunct="1">
       <a:defRPr sz="1800" kern="1200">
         <a:solidFill>
           <a:schemeClr val="tx1"/>
@@ -43,7 +44,7 @@
         <a:cs typeface="+mn-cs"/>
       </a:defRPr>
     </a:lvl3pPr>
-    <a:lvl4pPr marL="1371600" algn="l" defTabSz="914400" rtl="0" eaLnBrk="1" latinLnBrk="0" hangingPunct="1">
+    <a:lvl4pPr marL="1371600" algn="l" defTabSz="457200" rtl="0" eaLnBrk="1" latinLnBrk="0" hangingPunct="1">
       <a:defRPr sz="1800" kern="1200">
         <a:solidFill>
           <a:schemeClr val="tx1"/>
@@ -53,7 +54,7 @@
         <a:cs typeface="+mn-cs"/>
       </a:defRPr>
     </a:lvl4pPr>
-    <a:lvl5pPr marL="1828800" algn="l" defTabSz="914400" rtl="0" eaLnBrk="1" latinLnBrk="0" hangingPunct="1">
+    <a:lvl5pPr marL="1828800" algn="l" defTabSz="457200" rtl="0" eaLnBrk="1" latinLnBrk="0" hangingPunct="1">
       <a:defRPr sz="1800" kern="1200">
         <a:solidFill>
           <a:schemeClr val="tx1"/>
@@ -63,7 +64,7 @@
         <a:cs typeface="+mn-cs"/>
       </a:defRPr>
     </a:lvl5pPr>
-    <a:lvl6pPr marL="2286000" algn="l" defTabSz="914400" rtl="0" eaLnBrk="1" latinLnBrk="0" hangingPunct="1">
+    <a:lvl6pPr marL="2286000" algn="l" defTabSz="457200" rtl="0" eaLnBrk="1" latinLnBrk="0" hangingPunct="1">
       <a:defRPr sz="1800" kern="1200">
         <a:solidFill>
           <a:schemeClr val="tx1"/>
@@ -73,7 +74,7 @@
         <a:cs typeface="+mn-cs"/>
       </a:defRPr>
     </a:lvl6pPr>
-    <a:lvl7pPr marL="2743200" algn="l" defTabSz="914400" rtl="0" eaLnBrk="1" latinLnBrk="0" hangingPunct="1">
+    <a:lvl7pPr marL="2743200" algn="l" defTabSz="457200" rtl="0" eaLnBrk="1" latinLnBrk="0" hangingPunct="1">
       <a:defRPr sz="1800" kern="1200">
         <a:solidFill>
           <a:schemeClr val="tx1"/>
@@ -83,7 +84,7 @@
         <a:cs typeface="+mn-cs"/>
       </a:defRPr>
     </a:lvl7pPr>
-    <a:lvl8pPr marL="3200400" algn="l" defTabSz="914400" rtl="0" eaLnBrk="1" latinLnBrk="0" hangingPunct="1">
+    <a:lvl8pPr marL="3200400" algn="l" defTabSz="457200" rtl="0" eaLnBrk="1" latinLnBrk="0" hangingPunct="1">
       <a:defRPr sz="1800" kern="1200">
         <a:solidFill>
           <a:schemeClr val="tx1"/>
@@ -93,7 +94,7 @@
         <a:cs typeface="+mn-cs"/>
       </a:defRPr>
     </a:lvl8pPr>
-    <a:lvl9pPr marL="3657600" algn="l" defTabSz="914400" rtl="0" eaLnBrk="1" latinLnBrk="0" hangingPunct="1">
+    <a:lvl9pPr marL="3657600" algn="l" defTabSz="457200" rtl="0" eaLnBrk="1" latinLnBrk="0" hangingPunct="1">
       <a:defRPr sz="1800" kern="1200">
         <a:solidFill>
           <a:schemeClr val="tx1"/>
@@ -131,13 +132,7 @@
       </p:grpSpPr>
       <p:sp>
         <p:nvSpPr>
-          <p:cNvPr id="2" name="Title 1">
-            <a:extLst>
-              <a:ext uri="{FF2B5EF4-FFF2-40B4-BE49-F238E27FC236}">
-                <a16:creationId xmlns:a16="http://schemas.microsoft.com/office/drawing/2014/main" id="{1EAEA769-AADA-034E-BA84-78F88E3716AE}"/>
-              </a:ext>
-            </a:extLst>
-          </p:cNvPr>
+          <p:cNvPr id="2" name="Title 1"/>
           <p:cNvSpPr>
             <a:spLocks noGrp="1"/>
           </p:cNvSpPr>
@@ -147,15 +142,15 @@
         </p:nvSpPr>
         <p:spPr>
           <a:xfrm>
-            <a:off x="1524000" y="1122363"/>
-            <a:ext cx="9144000" cy="2387600"/>
+            <a:off x="914400" y="2244726"/>
+            <a:ext cx="10363200" cy="4775200"/>
           </a:xfrm>
         </p:spPr>
         <p:txBody>
           <a:bodyPr anchor="b"/>
           <a:lstStyle>
             <a:lvl1pPr algn="ctr">
-              <a:defRPr sz="6000"/>
+              <a:defRPr sz="8000"/>
             </a:lvl1pPr>
           </a:lstStyle>
           <a:p>
@@ -163,18 +158,13 @@
               <a:rPr lang="en-US"/>
               <a:t>Click to edit Master title style</a:t>
             </a:r>
-          </a:p>
-        </p:txBody>
-      </p:sp>
-      <p:sp>
-        <p:nvSpPr>
-          <p:cNvPr id="3" name="Subtitle 2">
-            <a:extLst>
-              <a:ext uri="{FF2B5EF4-FFF2-40B4-BE49-F238E27FC236}">
-                <a16:creationId xmlns:a16="http://schemas.microsoft.com/office/drawing/2014/main" id="{E61A8A1E-576F-4A4D-8882-8DCFDA314ADC}"/>
-              </a:ext>
-            </a:extLst>
-          </p:cNvPr>
+            <a:endParaRPr lang="en-US" dirty="0"/>
+          </a:p>
+        </p:txBody>
+      </p:sp>
+      <p:sp>
+        <p:nvSpPr>
+          <p:cNvPr id="3" name="Subtitle 2"/>
           <p:cNvSpPr>
             <a:spLocks noGrp="1"/>
           </p:cNvSpPr>
@@ -184,8 +174,8 @@
         </p:nvSpPr>
         <p:spPr>
           <a:xfrm>
-            <a:off x="1524000" y="3602038"/>
-            <a:ext cx="9144000" cy="1655762"/>
+            <a:off x="1524000" y="7204076"/>
+            <a:ext cx="9144000" cy="3311524"/>
           </a:xfrm>
         </p:spPr>
         <p:txBody>
@@ -193,39 +183,39 @@
           <a:lstStyle>
             <a:lvl1pPr marL="0" indent="0" algn="ctr">
               <a:buNone/>
+              <a:defRPr sz="3200"/>
+            </a:lvl1pPr>
+            <a:lvl2pPr marL="609585" indent="0" algn="ctr">
+              <a:buNone/>
+              <a:defRPr sz="2667"/>
+            </a:lvl2pPr>
+            <a:lvl3pPr marL="1219170" indent="0" algn="ctr">
+              <a:buNone/>
               <a:defRPr sz="2400"/>
-            </a:lvl1pPr>
-            <a:lvl2pPr marL="457200" indent="0" algn="ctr">
-              <a:buNone/>
-              <a:defRPr sz="2000"/>
-            </a:lvl2pPr>
-            <a:lvl3pPr marL="914400" indent="0" algn="ctr">
-              <a:buNone/>
-              <a:defRPr sz="1800"/>
             </a:lvl3pPr>
-            <a:lvl4pPr marL="1371600" indent="0" algn="ctr">
-              <a:buNone/>
-              <a:defRPr sz="1600"/>
+            <a:lvl4pPr marL="1828754" indent="0" algn="ctr">
+              <a:buNone/>
+              <a:defRPr sz="2133"/>
             </a:lvl4pPr>
-            <a:lvl5pPr marL="1828800" indent="0" algn="ctr">
-              <a:buNone/>
-              <a:defRPr sz="1600"/>
+            <a:lvl5pPr marL="2438339" indent="0" algn="ctr">
+              <a:buNone/>
+              <a:defRPr sz="2133"/>
             </a:lvl5pPr>
-            <a:lvl6pPr marL="2286000" indent="0" algn="ctr">
-              <a:buNone/>
-              <a:defRPr sz="1600"/>
+            <a:lvl6pPr marL="3047924" indent="0" algn="ctr">
+              <a:buNone/>
+              <a:defRPr sz="2133"/>
             </a:lvl6pPr>
-            <a:lvl7pPr marL="2743200" indent="0" algn="ctr">
-              <a:buNone/>
-              <a:defRPr sz="1600"/>
+            <a:lvl7pPr marL="3657509" indent="0" algn="ctr">
+              <a:buNone/>
+              <a:defRPr sz="2133"/>
             </a:lvl7pPr>
-            <a:lvl8pPr marL="3200400" indent="0" algn="ctr">
-              <a:buNone/>
-              <a:defRPr sz="1600"/>
+            <a:lvl8pPr marL="4267093" indent="0" algn="ctr">
+              <a:buNone/>
+              <a:defRPr sz="2133"/>
             </a:lvl8pPr>
-            <a:lvl9pPr marL="3657600" indent="0" algn="ctr">
-              <a:buNone/>
-              <a:defRPr sz="1600"/>
+            <a:lvl9pPr marL="4876678" indent="0" algn="ctr">
+              <a:buNone/>
+              <a:defRPr sz="2133"/>
             </a:lvl9pPr>
           </a:lstStyle>
           <a:p>
@@ -233,18 +223,13 @@
               <a:rPr lang="en-US"/>
               <a:t>Click to edit Master subtitle style</a:t>
             </a:r>
-          </a:p>
-        </p:txBody>
-      </p:sp>
-      <p:sp>
-        <p:nvSpPr>
-          <p:cNvPr id="4" name="Date Placeholder 3">
-            <a:extLst>
-              <a:ext uri="{FF2B5EF4-FFF2-40B4-BE49-F238E27FC236}">
-                <a16:creationId xmlns:a16="http://schemas.microsoft.com/office/drawing/2014/main" id="{585A0989-9CB7-D84F-AB8C-E5BFC6DD7BFE}"/>
-              </a:ext>
-            </a:extLst>
-          </p:cNvPr>
+            <a:endParaRPr lang="en-US" dirty="0"/>
+          </a:p>
+        </p:txBody>
+      </p:sp>
+      <p:sp>
+        <p:nvSpPr>
+          <p:cNvPr id="4" name="Date Placeholder 3"/>
           <p:cNvSpPr>
             <a:spLocks noGrp="1"/>
           </p:cNvSpPr>
@@ -259,7 +244,7 @@
           <a:p>
             <a:fld id="{4B88246E-9895-B54D-8712-78198CADACB1}" type="datetimeFigureOut">
               <a:rPr lang="en-US" smtClean="0"/>
-              <a:t>4/27/21</a:t>
+              <a:t>12/4/23</a:t>
             </a:fld>
             <a:endParaRPr lang="en-US"/>
           </a:p>
@@ -267,13 +252,7 @@
       </p:sp>
       <p:sp>
         <p:nvSpPr>
-          <p:cNvPr id="5" name="Footer Placeholder 4">
-            <a:extLst>
-              <a:ext uri="{FF2B5EF4-FFF2-40B4-BE49-F238E27FC236}">
-                <a16:creationId xmlns:a16="http://schemas.microsoft.com/office/drawing/2014/main" id="{A8272C8D-3C94-5B40-BBEE-156114F43640}"/>
-              </a:ext>
-            </a:extLst>
-          </p:cNvPr>
+          <p:cNvPr id="5" name="Footer Placeholder 4"/>
           <p:cNvSpPr>
             <a:spLocks noGrp="1"/>
           </p:cNvSpPr>
@@ -292,13 +271,7 @@
       </p:sp>
       <p:sp>
         <p:nvSpPr>
-          <p:cNvPr id="6" name="Slide Number Placeholder 5">
-            <a:extLst>
-              <a:ext uri="{FF2B5EF4-FFF2-40B4-BE49-F238E27FC236}">
-                <a16:creationId xmlns:a16="http://schemas.microsoft.com/office/drawing/2014/main" id="{A2F0F92D-1F58-BF45-A299-8F8582EDFD02}"/>
-              </a:ext>
-            </a:extLst>
-          </p:cNvPr>
+          <p:cNvPr id="6" name="Slide Number Placeholder 5"/>
           <p:cNvSpPr>
             <a:spLocks noGrp="1"/>
           </p:cNvSpPr>
@@ -322,7 +295,7 @@
     </p:spTree>
     <p:extLst>
       <p:ext uri="{BB962C8B-B14F-4D97-AF65-F5344CB8AC3E}">
-        <p14:creationId xmlns:p14="http://schemas.microsoft.com/office/powerpoint/2010/main" val="3775998378"/>
+        <p14:creationId xmlns:p14="http://schemas.microsoft.com/office/powerpoint/2010/main" val="1563730236"/>
       </p:ext>
     </p:extLst>
   </p:cSld>
@@ -351,13 +324,7 @@
       </p:grpSpPr>
       <p:sp>
         <p:nvSpPr>
-          <p:cNvPr id="2" name="Title 1">
-            <a:extLst>
-              <a:ext uri="{FF2B5EF4-FFF2-40B4-BE49-F238E27FC236}">
-                <a16:creationId xmlns:a16="http://schemas.microsoft.com/office/drawing/2014/main" id="{9E1D28E2-F911-BE4C-AAC4-D0CECD5A045E}"/>
-              </a:ext>
-            </a:extLst>
-          </p:cNvPr>
+          <p:cNvPr id="2" name="Title 1"/>
           <p:cNvSpPr>
             <a:spLocks noGrp="1"/>
           </p:cNvSpPr>
@@ -374,18 +341,13 @@
               <a:rPr lang="en-US"/>
               <a:t>Click to edit Master title style</a:t>
             </a:r>
-          </a:p>
-        </p:txBody>
-      </p:sp>
-      <p:sp>
-        <p:nvSpPr>
-          <p:cNvPr id="3" name="Vertical Text Placeholder 2">
-            <a:extLst>
-              <a:ext uri="{FF2B5EF4-FFF2-40B4-BE49-F238E27FC236}">
-                <a16:creationId xmlns:a16="http://schemas.microsoft.com/office/drawing/2014/main" id="{7EB875DE-E3F0-044D-8D15-960C5699EEDB}"/>
-              </a:ext>
-            </a:extLst>
-          </p:cNvPr>
+            <a:endParaRPr lang="en-US" dirty="0"/>
+          </a:p>
+        </p:txBody>
+      </p:sp>
+      <p:sp>
+        <p:nvSpPr>
+          <p:cNvPr id="3" name="Vertical Text Placeholder 2"/>
           <p:cNvSpPr>
             <a:spLocks noGrp="1"/>
           </p:cNvSpPr>
@@ -431,18 +393,13 @@
               <a:rPr lang="en-US"/>
               <a:t>Fifth level</a:t>
             </a:r>
-          </a:p>
-        </p:txBody>
-      </p:sp>
-      <p:sp>
-        <p:nvSpPr>
-          <p:cNvPr id="4" name="Date Placeholder 3">
-            <a:extLst>
-              <a:ext uri="{FF2B5EF4-FFF2-40B4-BE49-F238E27FC236}">
-                <a16:creationId xmlns:a16="http://schemas.microsoft.com/office/drawing/2014/main" id="{5AA05CCD-6935-3946-A1CE-E776BC5BE9D9}"/>
-              </a:ext>
-            </a:extLst>
-          </p:cNvPr>
+            <a:endParaRPr lang="en-US" dirty="0"/>
+          </a:p>
+        </p:txBody>
+      </p:sp>
+      <p:sp>
+        <p:nvSpPr>
+          <p:cNvPr id="4" name="Date Placeholder 3"/>
           <p:cNvSpPr>
             <a:spLocks noGrp="1"/>
           </p:cNvSpPr>
@@ -457,7 +414,7 @@
           <a:p>
             <a:fld id="{4B88246E-9895-B54D-8712-78198CADACB1}" type="datetimeFigureOut">
               <a:rPr lang="en-US" smtClean="0"/>
-              <a:t>4/27/21</a:t>
+              <a:t>12/4/23</a:t>
             </a:fld>
             <a:endParaRPr lang="en-US"/>
           </a:p>
@@ -465,13 +422,7 @@
       </p:sp>
       <p:sp>
         <p:nvSpPr>
-          <p:cNvPr id="5" name="Footer Placeholder 4">
-            <a:extLst>
-              <a:ext uri="{FF2B5EF4-FFF2-40B4-BE49-F238E27FC236}">
-                <a16:creationId xmlns:a16="http://schemas.microsoft.com/office/drawing/2014/main" id="{22254CFD-71DB-A24E-9EA5-83628396C648}"/>
-              </a:ext>
-            </a:extLst>
-          </p:cNvPr>
+          <p:cNvPr id="5" name="Footer Placeholder 4"/>
           <p:cNvSpPr>
             <a:spLocks noGrp="1"/>
           </p:cNvSpPr>
@@ -490,13 +441,7 @@
       </p:sp>
       <p:sp>
         <p:nvSpPr>
-          <p:cNvPr id="6" name="Slide Number Placeholder 5">
-            <a:extLst>
-              <a:ext uri="{FF2B5EF4-FFF2-40B4-BE49-F238E27FC236}">
-                <a16:creationId xmlns:a16="http://schemas.microsoft.com/office/drawing/2014/main" id="{2183DA6F-E5FE-0242-B1E6-04046576131A}"/>
-              </a:ext>
-            </a:extLst>
-          </p:cNvPr>
+          <p:cNvPr id="6" name="Slide Number Placeholder 5"/>
           <p:cNvSpPr>
             <a:spLocks noGrp="1"/>
           </p:cNvSpPr>
@@ -520,7 +465,7 @@
     </p:spTree>
     <p:extLst>
       <p:ext uri="{BB962C8B-B14F-4D97-AF65-F5344CB8AC3E}">
-        <p14:creationId xmlns:p14="http://schemas.microsoft.com/office/powerpoint/2010/main" val="3799381607"/>
+        <p14:creationId xmlns:p14="http://schemas.microsoft.com/office/powerpoint/2010/main" val="1561464561"/>
       </p:ext>
     </p:extLst>
   </p:cSld>
@@ -549,13 +494,7 @@
       </p:grpSpPr>
       <p:sp>
         <p:nvSpPr>
-          <p:cNvPr id="2" name="Vertical Title 1">
-            <a:extLst>
-              <a:ext uri="{FF2B5EF4-FFF2-40B4-BE49-F238E27FC236}">
-                <a16:creationId xmlns:a16="http://schemas.microsoft.com/office/drawing/2014/main" id="{688B3D88-9097-8D4D-98D9-BE1803A39638}"/>
-              </a:ext>
-            </a:extLst>
-          </p:cNvPr>
+          <p:cNvPr id="2" name="Vertical Title 1"/>
           <p:cNvSpPr>
             <a:spLocks noGrp="1"/>
           </p:cNvSpPr>
@@ -565,8 +504,8 @@
         </p:nvSpPr>
         <p:spPr>
           <a:xfrm>
-            <a:off x="8724900" y="365125"/>
-            <a:ext cx="2628900" cy="5811838"/>
+            <a:off x="8724901" y="730250"/>
+            <a:ext cx="2628900" cy="11623676"/>
           </a:xfrm>
         </p:spPr>
         <p:txBody>
@@ -577,18 +516,13 @@
               <a:rPr lang="en-US"/>
               <a:t>Click to edit Master title style</a:t>
             </a:r>
-          </a:p>
-        </p:txBody>
-      </p:sp>
-      <p:sp>
-        <p:nvSpPr>
-          <p:cNvPr id="3" name="Vertical Text Placeholder 2">
-            <a:extLst>
-              <a:ext uri="{FF2B5EF4-FFF2-40B4-BE49-F238E27FC236}">
-                <a16:creationId xmlns:a16="http://schemas.microsoft.com/office/drawing/2014/main" id="{F679A00C-CF72-5042-B058-C61C709FAFA3}"/>
-              </a:ext>
-            </a:extLst>
-          </p:cNvPr>
+            <a:endParaRPr lang="en-US" dirty="0"/>
+          </a:p>
+        </p:txBody>
+      </p:sp>
+      <p:sp>
+        <p:nvSpPr>
+          <p:cNvPr id="3" name="Vertical Text Placeholder 2"/>
           <p:cNvSpPr>
             <a:spLocks noGrp="1"/>
           </p:cNvSpPr>
@@ -598,8 +532,8 @@
         </p:nvSpPr>
         <p:spPr>
           <a:xfrm>
-            <a:off x="838200" y="365125"/>
-            <a:ext cx="7734300" cy="5811838"/>
+            <a:off x="838201" y="730250"/>
+            <a:ext cx="7734300" cy="11623676"/>
           </a:xfrm>
         </p:spPr>
         <p:txBody>
@@ -639,18 +573,13 @@
               <a:rPr lang="en-US"/>
               <a:t>Fifth level</a:t>
             </a:r>
-          </a:p>
-        </p:txBody>
-      </p:sp>
-      <p:sp>
-        <p:nvSpPr>
-          <p:cNvPr id="4" name="Date Placeholder 3">
-            <a:extLst>
-              <a:ext uri="{FF2B5EF4-FFF2-40B4-BE49-F238E27FC236}">
-                <a16:creationId xmlns:a16="http://schemas.microsoft.com/office/drawing/2014/main" id="{5E306F83-5512-0D44-9204-9A15B2F1BB8D}"/>
-              </a:ext>
-            </a:extLst>
-          </p:cNvPr>
+            <a:endParaRPr lang="en-US" dirty="0"/>
+          </a:p>
+        </p:txBody>
+      </p:sp>
+      <p:sp>
+        <p:nvSpPr>
+          <p:cNvPr id="4" name="Date Placeholder 3"/>
           <p:cNvSpPr>
             <a:spLocks noGrp="1"/>
           </p:cNvSpPr>
@@ -665,7 +594,7 @@
           <a:p>
             <a:fld id="{4B88246E-9895-B54D-8712-78198CADACB1}" type="datetimeFigureOut">
               <a:rPr lang="en-US" smtClean="0"/>
-              <a:t>4/27/21</a:t>
+              <a:t>12/4/23</a:t>
             </a:fld>
             <a:endParaRPr lang="en-US"/>
           </a:p>
@@ -673,13 +602,7 @@
       </p:sp>
       <p:sp>
         <p:nvSpPr>
-          <p:cNvPr id="5" name="Footer Placeholder 4">
-            <a:extLst>
-              <a:ext uri="{FF2B5EF4-FFF2-40B4-BE49-F238E27FC236}">
-                <a16:creationId xmlns:a16="http://schemas.microsoft.com/office/drawing/2014/main" id="{ED470380-8905-0B49-AF61-6E240D7AA8D8}"/>
-              </a:ext>
-            </a:extLst>
-          </p:cNvPr>
+          <p:cNvPr id="5" name="Footer Placeholder 4"/>
           <p:cNvSpPr>
             <a:spLocks noGrp="1"/>
           </p:cNvSpPr>
@@ -698,13 +621,7 @@
       </p:sp>
       <p:sp>
         <p:nvSpPr>
-          <p:cNvPr id="6" name="Slide Number Placeholder 5">
-            <a:extLst>
-              <a:ext uri="{FF2B5EF4-FFF2-40B4-BE49-F238E27FC236}">
-                <a16:creationId xmlns:a16="http://schemas.microsoft.com/office/drawing/2014/main" id="{A1707C79-065A-B04E-9CCE-FFF87DACE76C}"/>
-              </a:ext>
-            </a:extLst>
-          </p:cNvPr>
+          <p:cNvPr id="6" name="Slide Number Placeholder 5"/>
           <p:cNvSpPr>
             <a:spLocks noGrp="1"/>
           </p:cNvSpPr>
@@ -728,7 +645,7 @@
     </p:spTree>
     <p:extLst>
       <p:ext uri="{BB962C8B-B14F-4D97-AF65-F5344CB8AC3E}">
-        <p14:creationId xmlns:p14="http://schemas.microsoft.com/office/powerpoint/2010/main" val="451223048"/>
+        <p14:creationId xmlns:p14="http://schemas.microsoft.com/office/powerpoint/2010/main" val="898680503"/>
       </p:ext>
     </p:extLst>
   </p:cSld>
@@ -757,13 +674,7 @@
       </p:grpSpPr>
       <p:sp>
         <p:nvSpPr>
-          <p:cNvPr id="2" name="Title 1">
-            <a:extLst>
-              <a:ext uri="{FF2B5EF4-FFF2-40B4-BE49-F238E27FC236}">
-                <a16:creationId xmlns:a16="http://schemas.microsoft.com/office/drawing/2014/main" id="{FF06801B-C3B4-FA41-A0FB-1066605C5809}"/>
-              </a:ext>
-            </a:extLst>
-          </p:cNvPr>
+          <p:cNvPr id="2" name="Title 1"/>
           <p:cNvSpPr>
             <a:spLocks noGrp="1"/>
           </p:cNvSpPr>
@@ -780,18 +691,13 @@
               <a:rPr lang="en-US"/>
               <a:t>Click to edit Master title style</a:t>
             </a:r>
-          </a:p>
-        </p:txBody>
-      </p:sp>
-      <p:sp>
-        <p:nvSpPr>
-          <p:cNvPr id="3" name="Content Placeholder 2">
-            <a:extLst>
-              <a:ext uri="{FF2B5EF4-FFF2-40B4-BE49-F238E27FC236}">
-                <a16:creationId xmlns:a16="http://schemas.microsoft.com/office/drawing/2014/main" id="{A5CB84CC-4863-AB44-AF7B-7A941D130832}"/>
-              </a:ext>
-            </a:extLst>
-          </p:cNvPr>
+            <a:endParaRPr lang="en-US" dirty="0"/>
+          </a:p>
+        </p:txBody>
+      </p:sp>
+      <p:sp>
+        <p:nvSpPr>
+          <p:cNvPr id="3" name="Content Placeholder 2"/>
           <p:cNvSpPr>
             <a:spLocks noGrp="1"/>
           </p:cNvSpPr>
@@ -837,18 +743,13 @@
               <a:rPr lang="en-US"/>
               <a:t>Fifth level</a:t>
             </a:r>
-          </a:p>
-        </p:txBody>
-      </p:sp>
-      <p:sp>
-        <p:nvSpPr>
-          <p:cNvPr id="4" name="Date Placeholder 3">
-            <a:extLst>
-              <a:ext uri="{FF2B5EF4-FFF2-40B4-BE49-F238E27FC236}">
-                <a16:creationId xmlns:a16="http://schemas.microsoft.com/office/drawing/2014/main" id="{14938BB9-A33B-AB47-A846-67BE69821850}"/>
-              </a:ext>
-            </a:extLst>
-          </p:cNvPr>
+            <a:endParaRPr lang="en-US" dirty="0"/>
+          </a:p>
+        </p:txBody>
+      </p:sp>
+      <p:sp>
+        <p:nvSpPr>
+          <p:cNvPr id="4" name="Date Placeholder 3"/>
           <p:cNvSpPr>
             <a:spLocks noGrp="1"/>
           </p:cNvSpPr>
@@ -863,7 +764,7 @@
           <a:p>
             <a:fld id="{4B88246E-9895-B54D-8712-78198CADACB1}" type="datetimeFigureOut">
               <a:rPr lang="en-US" smtClean="0"/>
-              <a:t>4/27/21</a:t>
+              <a:t>12/4/23</a:t>
             </a:fld>
             <a:endParaRPr lang="en-US"/>
           </a:p>
@@ -871,13 +772,7 @@
       </p:sp>
       <p:sp>
         <p:nvSpPr>
-          <p:cNvPr id="5" name="Footer Placeholder 4">
-            <a:extLst>
-              <a:ext uri="{FF2B5EF4-FFF2-40B4-BE49-F238E27FC236}">
-                <a16:creationId xmlns:a16="http://schemas.microsoft.com/office/drawing/2014/main" id="{519B043D-10E6-0242-8D0E-0A6CFC719BBF}"/>
-              </a:ext>
-            </a:extLst>
-          </p:cNvPr>
+          <p:cNvPr id="5" name="Footer Placeholder 4"/>
           <p:cNvSpPr>
             <a:spLocks noGrp="1"/>
           </p:cNvSpPr>
@@ -896,13 +791,7 @@
       </p:sp>
       <p:sp>
         <p:nvSpPr>
-          <p:cNvPr id="6" name="Slide Number Placeholder 5">
-            <a:extLst>
-              <a:ext uri="{FF2B5EF4-FFF2-40B4-BE49-F238E27FC236}">
-                <a16:creationId xmlns:a16="http://schemas.microsoft.com/office/drawing/2014/main" id="{2F207B52-3BA4-5744-82C3-6DE082B41C82}"/>
-              </a:ext>
-            </a:extLst>
-          </p:cNvPr>
+          <p:cNvPr id="6" name="Slide Number Placeholder 5"/>
           <p:cNvSpPr>
             <a:spLocks noGrp="1"/>
           </p:cNvSpPr>
@@ -926,7 +815,7 @@
     </p:spTree>
     <p:extLst>
       <p:ext uri="{BB962C8B-B14F-4D97-AF65-F5344CB8AC3E}">
-        <p14:creationId xmlns:p14="http://schemas.microsoft.com/office/powerpoint/2010/main" val="3587115833"/>
+        <p14:creationId xmlns:p14="http://schemas.microsoft.com/office/powerpoint/2010/main" val="2891117328"/>
       </p:ext>
     </p:extLst>
   </p:cSld>
@@ -955,13 +844,7 @@
       </p:grpSpPr>
       <p:sp>
         <p:nvSpPr>
-          <p:cNvPr id="2" name="Title 1">
-            <a:extLst>
-              <a:ext uri="{FF2B5EF4-FFF2-40B4-BE49-F238E27FC236}">
-                <a16:creationId xmlns:a16="http://schemas.microsoft.com/office/drawing/2014/main" id="{FE95542A-BA8E-8A45-8031-3C271D88D3D4}"/>
-              </a:ext>
-            </a:extLst>
-          </p:cNvPr>
+          <p:cNvPr id="2" name="Title 1"/>
           <p:cNvSpPr>
             <a:spLocks noGrp="1"/>
           </p:cNvSpPr>
@@ -971,15 +854,15 @@
         </p:nvSpPr>
         <p:spPr>
           <a:xfrm>
-            <a:off x="831850" y="1709738"/>
-            <a:ext cx="10515600" cy="2852737"/>
+            <a:off x="831851" y="3419479"/>
+            <a:ext cx="10515600" cy="5705474"/>
           </a:xfrm>
         </p:spPr>
         <p:txBody>
           <a:bodyPr anchor="b"/>
           <a:lstStyle>
             <a:lvl1pPr>
-              <a:defRPr sz="6000"/>
+              <a:defRPr sz="8000"/>
             </a:lvl1pPr>
           </a:lstStyle>
           <a:p>
@@ -987,18 +870,13 @@
               <a:rPr lang="en-US"/>
               <a:t>Click to edit Master title style</a:t>
             </a:r>
-          </a:p>
-        </p:txBody>
-      </p:sp>
-      <p:sp>
-        <p:nvSpPr>
-          <p:cNvPr id="3" name="Text Placeholder 2">
-            <a:extLst>
-              <a:ext uri="{FF2B5EF4-FFF2-40B4-BE49-F238E27FC236}">
-                <a16:creationId xmlns:a16="http://schemas.microsoft.com/office/drawing/2014/main" id="{BD8DFA89-5F75-CE43-A2E4-6D0FCBD9B955}"/>
-              </a:ext>
-            </a:extLst>
-          </p:cNvPr>
+            <a:endParaRPr lang="en-US" dirty="0"/>
+          </a:p>
+        </p:txBody>
+      </p:sp>
+      <p:sp>
+        <p:nvSpPr>
+          <p:cNvPr id="3" name="Text Placeholder 2"/>
           <p:cNvSpPr>
             <a:spLocks noGrp="1"/>
           </p:cNvSpPr>
@@ -1008,14 +886,32 @@
         </p:nvSpPr>
         <p:spPr>
           <a:xfrm>
-            <a:off x="831850" y="4589463"/>
-            <a:ext cx="10515600" cy="1500187"/>
+            <a:off x="831851" y="9178929"/>
+            <a:ext cx="10515600" cy="3000374"/>
           </a:xfrm>
         </p:spPr>
         <p:txBody>
           <a:bodyPr/>
           <a:lstStyle>
             <a:lvl1pPr marL="0" indent="0">
+              <a:buNone/>
+              <a:defRPr sz="3200">
+                <a:solidFill>
+                  <a:schemeClr val="tx1"/>
+                </a:solidFill>
+              </a:defRPr>
+            </a:lvl1pPr>
+            <a:lvl2pPr marL="609585" indent="0">
+              <a:buNone/>
+              <a:defRPr sz="2667">
+                <a:solidFill>
+                  <a:schemeClr val="tx1">
+                    <a:tint val="75000"/>
+                  </a:schemeClr>
+                </a:solidFill>
+              </a:defRPr>
+            </a:lvl2pPr>
+            <a:lvl3pPr marL="1219170" indent="0">
               <a:buNone/>
               <a:defRPr sz="2400">
                 <a:solidFill>
@@ -1024,30 +920,10 @@
                   </a:schemeClr>
                 </a:solidFill>
               </a:defRPr>
-            </a:lvl1pPr>
-            <a:lvl2pPr marL="457200" indent="0">
-              <a:buNone/>
-              <a:defRPr sz="2000">
-                <a:solidFill>
-                  <a:schemeClr val="tx1">
-                    <a:tint val="75000"/>
-                  </a:schemeClr>
-                </a:solidFill>
-              </a:defRPr>
-            </a:lvl2pPr>
-            <a:lvl3pPr marL="914400" indent="0">
-              <a:buNone/>
-              <a:defRPr sz="1800">
-                <a:solidFill>
-                  <a:schemeClr val="tx1">
-                    <a:tint val="75000"/>
-                  </a:schemeClr>
-                </a:solidFill>
-              </a:defRPr>
             </a:lvl3pPr>
-            <a:lvl4pPr marL="1371600" indent="0">
-              <a:buNone/>
-              <a:defRPr sz="1600">
+            <a:lvl4pPr marL="1828754" indent="0">
+              <a:buNone/>
+              <a:defRPr sz="2133">
                 <a:solidFill>
                   <a:schemeClr val="tx1">
                     <a:tint val="75000"/>
@@ -1055,9 +931,9 @@
                 </a:solidFill>
               </a:defRPr>
             </a:lvl4pPr>
-            <a:lvl5pPr marL="1828800" indent="0">
-              <a:buNone/>
-              <a:defRPr sz="1600">
+            <a:lvl5pPr marL="2438339" indent="0">
+              <a:buNone/>
+              <a:defRPr sz="2133">
                 <a:solidFill>
                   <a:schemeClr val="tx1">
                     <a:tint val="75000"/>
@@ -1065,9 +941,9 @@
                 </a:solidFill>
               </a:defRPr>
             </a:lvl5pPr>
-            <a:lvl6pPr marL="2286000" indent="0">
-              <a:buNone/>
-              <a:defRPr sz="1600">
+            <a:lvl6pPr marL="3047924" indent="0">
+              <a:buNone/>
+              <a:defRPr sz="2133">
                 <a:solidFill>
                   <a:schemeClr val="tx1">
                     <a:tint val="75000"/>
@@ -1075,9 +951,9 @@
                 </a:solidFill>
               </a:defRPr>
             </a:lvl6pPr>
-            <a:lvl7pPr marL="2743200" indent="0">
-              <a:buNone/>
-              <a:defRPr sz="1600">
+            <a:lvl7pPr marL="3657509" indent="0">
+              <a:buNone/>
+              <a:defRPr sz="2133">
                 <a:solidFill>
                   <a:schemeClr val="tx1">
                     <a:tint val="75000"/>
@@ -1085,9 +961,9 @@
                 </a:solidFill>
               </a:defRPr>
             </a:lvl7pPr>
-            <a:lvl8pPr marL="3200400" indent="0">
-              <a:buNone/>
-              <a:defRPr sz="1600">
+            <a:lvl8pPr marL="4267093" indent="0">
+              <a:buNone/>
+              <a:defRPr sz="2133">
                 <a:solidFill>
                   <a:schemeClr val="tx1">
                     <a:tint val="75000"/>
@@ -1095,9 +971,9 @@
                 </a:solidFill>
               </a:defRPr>
             </a:lvl8pPr>
-            <a:lvl9pPr marL="3657600" indent="0">
-              <a:buNone/>
-              <a:defRPr sz="1600">
+            <a:lvl9pPr marL="4876678" indent="0">
+              <a:buNone/>
+              <a:defRPr sz="2133">
                 <a:solidFill>
                   <a:schemeClr val="tx1">
                     <a:tint val="75000"/>
@@ -1117,13 +993,7 @@
       </p:sp>
       <p:sp>
         <p:nvSpPr>
-          <p:cNvPr id="4" name="Date Placeholder 3">
-            <a:extLst>
-              <a:ext uri="{FF2B5EF4-FFF2-40B4-BE49-F238E27FC236}">
-                <a16:creationId xmlns:a16="http://schemas.microsoft.com/office/drawing/2014/main" id="{3FC328AF-DBEF-5E4C-A43A-ED93BF1E17BC}"/>
-              </a:ext>
-            </a:extLst>
-          </p:cNvPr>
+          <p:cNvPr id="4" name="Date Placeholder 3"/>
           <p:cNvSpPr>
             <a:spLocks noGrp="1"/>
           </p:cNvSpPr>
@@ -1138,7 +1008,7 @@
           <a:p>
             <a:fld id="{4B88246E-9895-B54D-8712-78198CADACB1}" type="datetimeFigureOut">
               <a:rPr lang="en-US" smtClean="0"/>
-              <a:t>4/27/21</a:t>
+              <a:t>12/4/23</a:t>
             </a:fld>
             <a:endParaRPr lang="en-US"/>
           </a:p>
@@ -1146,13 +1016,7 @@
       </p:sp>
       <p:sp>
         <p:nvSpPr>
-          <p:cNvPr id="5" name="Footer Placeholder 4">
-            <a:extLst>
-              <a:ext uri="{FF2B5EF4-FFF2-40B4-BE49-F238E27FC236}">
-                <a16:creationId xmlns:a16="http://schemas.microsoft.com/office/drawing/2014/main" id="{9508BA53-4DC5-0841-98DA-776FE8EC0343}"/>
-              </a:ext>
-            </a:extLst>
-          </p:cNvPr>
+          <p:cNvPr id="5" name="Footer Placeholder 4"/>
           <p:cNvSpPr>
             <a:spLocks noGrp="1"/>
           </p:cNvSpPr>
@@ -1171,13 +1035,7 @@
       </p:sp>
       <p:sp>
         <p:nvSpPr>
-          <p:cNvPr id="6" name="Slide Number Placeholder 5">
-            <a:extLst>
-              <a:ext uri="{FF2B5EF4-FFF2-40B4-BE49-F238E27FC236}">
-                <a16:creationId xmlns:a16="http://schemas.microsoft.com/office/drawing/2014/main" id="{68FF8E3F-8133-764B-BA20-D858BDF35CF5}"/>
-              </a:ext>
-            </a:extLst>
-          </p:cNvPr>
+          <p:cNvPr id="6" name="Slide Number Placeholder 5"/>
           <p:cNvSpPr>
             <a:spLocks noGrp="1"/>
           </p:cNvSpPr>
@@ -1201,7 +1059,7 @@
     </p:spTree>
     <p:extLst>
       <p:ext uri="{BB962C8B-B14F-4D97-AF65-F5344CB8AC3E}">
-        <p14:creationId xmlns:p14="http://schemas.microsoft.com/office/powerpoint/2010/main" val="1603525911"/>
+        <p14:creationId xmlns:p14="http://schemas.microsoft.com/office/powerpoint/2010/main" val="2365574010"/>
       </p:ext>
     </p:extLst>
   </p:cSld>
@@ -1230,13 +1088,7 @@
       </p:grpSpPr>
       <p:sp>
         <p:nvSpPr>
-          <p:cNvPr id="2" name="Title 1">
-            <a:extLst>
-              <a:ext uri="{FF2B5EF4-FFF2-40B4-BE49-F238E27FC236}">
-                <a16:creationId xmlns:a16="http://schemas.microsoft.com/office/drawing/2014/main" id="{3081797F-9E58-344E-8960-BA591EDAC14F}"/>
-              </a:ext>
-            </a:extLst>
-          </p:cNvPr>
+          <p:cNvPr id="2" name="Title 1"/>
           <p:cNvSpPr>
             <a:spLocks noGrp="1"/>
           </p:cNvSpPr>
@@ -1253,18 +1105,13 @@
               <a:rPr lang="en-US"/>
               <a:t>Click to edit Master title style</a:t>
             </a:r>
-          </a:p>
-        </p:txBody>
-      </p:sp>
-      <p:sp>
-        <p:nvSpPr>
-          <p:cNvPr id="3" name="Content Placeholder 2">
-            <a:extLst>
-              <a:ext uri="{FF2B5EF4-FFF2-40B4-BE49-F238E27FC236}">
-                <a16:creationId xmlns:a16="http://schemas.microsoft.com/office/drawing/2014/main" id="{30C44B4F-7C85-E14A-875B-E75FFC6236AC}"/>
-              </a:ext>
-            </a:extLst>
-          </p:cNvPr>
+            <a:endParaRPr lang="en-US" dirty="0"/>
+          </a:p>
+        </p:txBody>
+      </p:sp>
+      <p:sp>
+        <p:nvSpPr>
+          <p:cNvPr id="3" name="Content Placeholder 2"/>
           <p:cNvSpPr>
             <a:spLocks noGrp="1"/>
           </p:cNvSpPr>
@@ -1274,8 +1121,8 @@
         </p:nvSpPr>
         <p:spPr>
           <a:xfrm>
-            <a:off x="838200" y="1825625"/>
-            <a:ext cx="5181600" cy="4351338"/>
+            <a:off x="838200" y="3651250"/>
+            <a:ext cx="5181600" cy="8702676"/>
           </a:xfrm>
         </p:spPr>
         <p:txBody>
@@ -1315,18 +1162,13 @@
               <a:rPr lang="en-US"/>
               <a:t>Fifth level</a:t>
             </a:r>
-          </a:p>
-        </p:txBody>
-      </p:sp>
-      <p:sp>
-        <p:nvSpPr>
-          <p:cNvPr id="4" name="Content Placeholder 3">
-            <a:extLst>
-              <a:ext uri="{FF2B5EF4-FFF2-40B4-BE49-F238E27FC236}">
-                <a16:creationId xmlns:a16="http://schemas.microsoft.com/office/drawing/2014/main" id="{A8E99FB4-0789-7E43-8746-EF1E926EF865}"/>
-              </a:ext>
-            </a:extLst>
-          </p:cNvPr>
+            <a:endParaRPr lang="en-US" dirty="0"/>
+          </a:p>
+        </p:txBody>
+      </p:sp>
+      <p:sp>
+        <p:nvSpPr>
+          <p:cNvPr id="4" name="Content Placeholder 3"/>
           <p:cNvSpPr>
             <a:spLocks noGrp="1"/>
           </p:cNvSpPr>
@@ -1336,8 +1178,8 @@
         </p:nvSpPr>
         <p:spPr>
           <a:xfrm>
-            <a:off x="6172200" y="1825625"/>
-            <a:ext cx="5181600" cy="4351338"/>
+            <a:off x="6172200" y="3651250"/>
+            <a:ext cx="5181600" cy="8702676"/>
           </a:xfrm>
         </p:spPr>
         <p:txBody>
@@ -1377,18 +1219,13 @@
               <a:rPr lang="en-US"/>
               <a:t>Fifth level</a:t>
             </a:r>
-          </a:p>
-        </p:txBody>
-      </p:sp>
-      <p:sp>
-        <p:nvSpPr>
-          <p:cNvPr id="5" name="Date Placeholder 4">
-            <a:extLst>
-              <a:ext uri="{FF2B5EF4-FFF2-40B4-BE49-F238E27FC236}">
-                <a16:creationId xmlns:a16="http://schemas.microsoft.com/office/drawing/2014/main" id="{1C885665-846C-204F-BD80-1C6623BFD047}"/>
-              </a:ext>
-            </a:extLst>
-          </p:cNvPr>
+            <a:endParaRPr lang="en-US" dirty="0"/>
+          </a:p>
+        </p:txBody>
+      </p:sp>
+      <p:sp>
+        <p:nvSpPr>
+          <p:cNvPr id="5" name="Date Placeholder 4"/>
           <p:cNvSpPr>
             <a:spLocks noGrp="1"/>
           </p:cNvSpPr>
@@ -1403,7 +1240,7 @@
           <a:p>
             <a:fld id="{4B88246E-9895-B54D-8712-78198CADACB1}" type="datetimeFigureOut">
               <a:rPr lang="en-US" smtClean="0"/>
-              <a:t>4/27/21</a:t>
+              <a:t>12/4/23</a:t>
             </a:fld>
             <a:endParaRPr lang="en-US"/>
           </a:p>
@@ -1411,13 +1248,7 @@
       </p:sp>
       <p:sp>
         <p:nvSpPr>
-          <p:cNvPr id="6" name="Footer Placeholder 5">
-            <a:extLst>
-              <a:ext uri="{FF2B5EF4-FFF2-40B4-BE49-F238E27FC236}">
-                <a16:creationId xmlns:a16="http://schemas.microsoft.com/office/drawing/2014/main" id="{D3379666-0C43-CC48-BAE5-128B8A3C69DE}"/>
-              </a:ext>
-            </a:extLst>
-          </p:cNvPr>
+          <p:cNvPr id="6" name="Footer Placeholder 5"/>
           <p:cNvSpPr>
             <a:spLocks noGrp="1"/>
           </p:cNvSpPr>
@@ -1436,13 +1267,7 @@
       </p:sp>
       <p:sp>
         <p:nvSpPr>
-          <p:cNvPr id="7" name="Slide Number Placeholder 6">
-            <a:extLst>
-              <a:ext uri="{FF2B5EF4-FFF2-40B4-BE49-F238E27FC236}">
-                <a16:creationId xmlns:a16="http://schemas.microsoft.com/office/drawing/2014/main" id="{80B51243-2456-EB45-B542-C025E4CFF43B}"/>
-              </a:ext>
-            </a:extLst>
-          </p:cNvPr>
+          <p:cNvPr id="7" name="Slide Number Placeholder 6"/>
           <p:cNvSpPr>
             <a:spLocks noGrp="1"/>
           </p:cNvSpPr>
@@ -1466,7 +1291,7 @@
     </p:spTree>
     <p:extLst>
       <p:ext uri="{BB962C8B-B14F-4D97-AF65-F5344CB8AC3E}">
-        <p14:creationId xmlns:p14="http://schemas.microsoft.com/office/powerpoint/2010/main" val="2982899700"/>
+        <p14:creationId xmlns:p14="http://schemas.microsoft.com/office/powerpoint/2010/main" val="1395792"/>
       </p:ext>
     </p:extLst>
   </p:cSld>
@@ -1495,13 +1320,7 @@
       </p:grpSpPr>
       <p:sp>
         <p:nvSpPr>
-          <p:cNvPr id="2" name="Title 1">
-            <a:extLst>
-              <a:ext uri="{FF2B5EF4-FFF2-40B4-BE49-F238E27FC236}">
-                <a16:creationId xmlns:a16="http://schemas.microsoft.com/office/drawing/2014/main" id="{3843E937-02C0-6947-8334-1657BFE1B92E}"/>
-              </a:ext>
-            </a:extLst>
-          </p:cNvPr>
+          <p:cNvPr id="2" name="Title 1"/>
           <p:cNvSpPr>
             <a:spLocks noGrp="1"/>
           </p:cNvSpPr>
@@ -1511,8 +1330,8 @@
         </p:nvSpPr>
         <p:spPr>
           <a:xfrm>
-            <a:off x="839788" y="365125"/>
-            <a:ext cx="10515600" cy="1325563"/>
+            <a:off x="839788" y="730253"/>
+            <a:ext cx="10515600" cy="2651126"/>
           </a:xfrm>
         </p:spPr>
         <p:txBody>
@@ -1523,18 +1342,13 @@
               <a:rPr lang="en-US"/>
               <a:t>Click to edit Master title style</a:t>
             </a:r>
-          </a:p>
-        </p:txBody>
-      </p:sp>
-      <p:sp>
-        <p:nvSpPr>
-          <p:cNvPr id="3" name="Text Placeholder 2">
-            <a:extLst>
-              <a:ext uri="{FF2B5EF4-FFF2-40B4-BE49-F238E27FC236}">
-                <a16:creationId xmlns:a16="http://schemas.microsoft.com/office/drawing/2014/main" id="{33FA584B-CEAF-264B-A68B-FC067D09F49C}"/>
-              </a:ext>
-            </a:extLst>
-          </p:cNvPr>
+            <a:endParaRPr lang="en-US" dirty="0"/>
+          </a:p>
+        </p:txBody>
+      </p:sp>
+      <p:sp>
+        <p:nvSpPr>
+          <p:cNvPr id="3" name="Text Placeholder 2"/>
           <p:cNvSpPr>
             <a:spLocks noGrp="1"/>
           </p:cNvSpPr>
@@ -1544,8 +1358,8 @@
         </p:nvSpPr>
         <p:spPr>
           <a:xfrm>
-            <a:off x="839788" y="1681163"/>
-            <a:ext cx="5157787" cy="823912"/>
+            <a:off x="839789" y="3362326"/>
+            <a:ext cx="5157787" cy="1647824"/>
           </a:xfrm>
         </p:spPr>
         <p:txBody>
@@ -1553,39 +1367,39 @@
           <a:lstStyle>
             <a:lvl1pPr marL="0" indent="0">
               <a:buNone/>
+              <a:defRPr sz="3200" b="1"/>
+            </a:lvl1pPr>
+            <a:lvl2pPr marL="609585" indent="0">
+              <a:buNone/>
+              <a:defRPr sz="2667" b="1"/>
+            </a:lvl2pPr>
+            <a:lvl3pPr marL="1219170" indent="0">
+              <a:buNone/>
               <a:defRPr sz="2400" b="1"/>
-            </a:lvl1pPr>
-            <a:lvl2pPr marL="457200" indent="0">
-              <a:buNone/>
-              <a:defRPr sz="2000" b="1"/>
-            </a:lvl2pPr>
-            <a:lvl3pPr marL="914400" indent="0">
-              <a:buNone/>
-              <a:defRPr sz="1800" b="1"/>
             </a:lvl3pPr>
-            <a:lvl4pPr marL="1371600" indent="0">
-              <a:buNone/>
-              <a:defRPr sz="1600" b="1"/>
+            <a:lvl4pPr marL="1828754" indent="0">
+              <a:buNone/>
+              <a:defRPr sz="2133" b="1"/>
             </a:lvl4pPr>
-            <a:lvl5pPr marL="1828800" indent="0">
-              <a:buNone/>
-              <a:defRPr sz="1600" b="1"/>
+            <a:lvl5pPr marL="2438339" indent="0">
+              <a:buNone/>
+              <a:defRPr sz="2133" b="1"/>
             </a:lvl5pPr>
-            <a:lvl6pPr marL="2286000" indent="0">
-              <a:buNone/>
-              <a:defRPr sz="1600" b="1"/>
+            <a:lvl6pPr marL="3047924" indent="0">
+              <a:buNone/>
+              <a:defRPr sz="2133" b="1"/>
             </a:lvl6pPr>
-            <a:lvl7pPr marL="2743200" indent="0">
-              <a:buNone/>
-              <a:defRPr sz="1600" b="1"/>
+            <a:lvl7pPr marL="3657509" indent="0">
+              <a:buNone/>
+              <a:defRPr sz="2133" b="1"/>
             </a:lvl7pPr>
-            <a:lvl8pPr marL="3200400" indent="0">
-              <a:buNone/>
-              <a:defRPr sz="1600" b="1"/>
+            <a:lvl8pPr marL="4267093" indent="0">
+              <a:buNone/>
+              <a:defRPr sz="2133" b="1"/>
             </a:lvl8pPr>
-            <a:lvl9pPr marL="3657600" indent="0">
-              <a:buNone/>
-              <a:defRPr sz="1600" b="1"/>
+            <a:lvl9pPr marL="4876678" indent="0">
+              <a:buNone/>
+              <a:defRPr sz="2133" b="1"/>
             </a:lvl9pPr>
           </a:lstStyle>
           <a:p>
@@ -1599,13 +1413,7 @@
       </p:sp>
       <p:sp>
         <p:nvSpPr>
-          <p:cNvPr id="4" name="Content Placeholder 3">
-            <a:extLst>
-              <a:ext uri="{FF2B5EF4-FFF2-40B4-BE49-F238E27FC236}">
-                <a16:creationId xmlns:a16="http://schemas.microsoft.com/office/drawing/2014/main" id="{071E2265-5BC3-324B-A8FA-161A2EBA66CD}"/>
-              </a:ext>
-            </a:extLst>
-          </p:cNvPr>
+          <p:cNvPr id="4" name="Content Placeholder 3"/>
           <p:cNvSpPr>
             <a:spLocks noGrp="1"/>
           </p:cNvSpPr>
@@ -1615,8 +1423,8 @@
         </p:nvSpPr>
         <p:spPr>
           <a:xfrm>
-            <a:off x="839788" y="2505075"/>
-            <a:ext cx="5157787" cy="3684588"/>
+            <a:off x="839789" y="5010150"/>
+            <a:ext cx="5157787" cy="7369176"/>
           </a:xfrm>
         </p:spPr>
         <p:txBody>
@@ -1656,18 +1464,13 @@
               <a:rPr lang="en-US"/>
               <a:t>Fifth level</a:t>
             </a:r>
-          </a:p>
-        </p:txBody>
-      </p:sp>
-      <p:sp>
-        <p:nvSpPr>
-          <p:cNvPr id="5" name="Text Placeholder 4">
-            <a:extLst>
-              <a:ext uri="{FF2B5EF4-FFF2-40B4-BE49-F238E27FC236}">
-                <a16:creationId xmlns:a16="http://schemas.microsoft.com/office/drawing/2014/main" id="{A01DF368-6500-7243-B6D7-054F893DAF3D}"/>
-              </a:ext>
-            </a:extLst>
-          </p:cNvPr>
+            <a:endParaRPr lang="en-US" dirty="0"/>
+          </a:p>
+        </p:txBody>
+      </p:sp>
+      <p:sp>
+        <p:nvSpPr>
+          <p:cNvPr id="5" name="Text Placeholder 4"/>
           <p:cNvSpPr>
             <a:spLocks noGrp="1"/>
           </p:cNvSpPr>
@@ -1677,8 +1480,8 @@
         </p:nvSpPr>
         <p:spPr>
           <a:xfrm>
-            <a:off x="6172200" y="1681163"/>
-            <a:ext cx="5183188" cy="823912"/>
+            <a:off x="6172201" y="3362326"/>
+            <a:ext cx="5183188" cy="1647824"/>
           </a:xfrm>
         </p:spPr>
         <p:txBody>
@@ -1686,39 +1489,39 @@
           <a:lstStyle>
             <a:lvl1pPr marL="0" indent="0">
               <a:buNone/>
+              <a:defRPr sz="3200" b="1"/>
+            </a:lvl1pPr>
+            <a:lvl2pPr marL="609585" indent="0">
+              <a:buNone/>
+              <a:defRPr sz="2667" b="1"/>
+            </a:lvl2pPr>
+            <a:lvl3pPr marL="1219170" indent="0">
+              <a:buNone/>
               <a:defRPr sz="2400" b="1"/>
-            </a:lvl1pPr>
-            <a:lvl2pPr marL="457200" indent="0">
-              <a:buNone/>
-              <a:defRPr sz="2000" b="1"/>
-            </a:lvl2pPr>
-            <a:lvl3pPr marL="914400" indent="0">
-              <a:buNone/>
-              <a:defRPr sz="1800" b="1"/>
             </a:lvl3pPr>
-            <a:lvl4pPr marL="1371600" indent="0">
-              <a:buNone/>
-              <a:defRPr sz="1600" b="1"/>
+            <a:lvl4pPr marL="1828754" indent="0">
+              <a:buNone/>
+              <a:defRPr sz="2133" b="1"/>
             </a:lvl4pPr>
-            <a:lvl5pPr marL="1828800" indent="0">
-              <a:buNone/>
-              <a:defRPr sz="1600" b="1"/>
+            <a:lvl5pPr marL="2438339" indent="0">
+              <a:buNone/>
+              <a:defRPr sz="2133" b="1"/>
             </a:lvl5pPr>
-            <a:lvl6pPr marL="2286000" indent="0">
-              <a:buNone/>
-              <a:defRPr sz="1600" b="1"/>
+            <a:lvl6pPr marL="3047924" indent="0">
+              <a:buNone/>
+              <a:defRPr sz="2133" b="1"/>
             </a:lvl6pPr>
-            <a:lvl7pPr marL="2743200" indent="0">
-              <a:buNone/>
-              <a:defRPr sz="1600" b="1"/>
+            <a:lvl7pPr marL="3657509" indent="0">
+              <a:buNone/>
+              <a:defRPr sz="2133" b="1"/>
             </a:lvl7pPr>
-            <a:lvl8pPr marL="3200400" indent="0">
-              <a:buNone/>
-              <a:defRPr sz="1600" b="1"/>
+            <a:lvl8pPr marL="4267093" indent="0">
+              <a:buNone/>
+              <a:defRPr sz="2133" b="1"/>
             </a:lvl8pPr>
-            <a:lvl9pPr marL="3657600" indent="0">
-              <a:buNone/>
-              <a:defRPr sz="1600" b="1"/>
+            <a:lvl9pPr marL="4876678" indent="0">
+              <a:buNone/>
+              <a:defRPr sz="2133" b="1"/>
             </a:lvl9pPr>
           </a:lstStyle>
           <a:p>
@@ -1732,13 +1535,7 @@
       </p:sp>
       <p:sp>
         <p:nvSpPr>
-          <p:cNvPr id="6" name="Content Placeholder 5">
-            <a:extLst>
-              <a:ext uri="{FF2B5EF4-FFF2-40B4-BE49-F238E27FC236}">
-                <a16:creationId xmlns:a16="http://schemas.microsoft.com/office/drawing/2014/main" id="{8599DC5D-7E7D-6A4A-9A59-BB776AF0C435}"/>
-              </a:ext>
-            </a:extLst>
-          </p:cNvPr>
+          <p:cNvPr id="6" name="Content Placeholder 5"/>
           <p:cNvSpPr>
             <a:spLocks noGrp="1"/>
           </p:cNvSpPr>
@@ -1748,8 +1545,8 @@
         </p:nvSpPr>
         <p:spPr>
           <a:xfrm>
-            <a:off x="6172200" y="2505075"/>
-            <a:ext cx="5183188" cy="3684588"/>
+            <a:off x="6172201" y="5010150"/>
+            <a:ext cx="5183188" cy="7369176"/>
           </a:xfrm>
         </p:spPr>
         <p:txBody>
@@ -1789,18 +1586,13 @@
               <a:rPr lang="en-US"/>
               <a:t>Fifth level</a:t>
             </a:r>
-          </a:p>
-        </p:txBody>
-      </p:sp>
-      <p:sp>
-        <p:nvSpPr>
-          <p:cNvPr id="7" name="Date Placeholder 6">
-            <a:extLst>
-              <a:ext uri="{FF2B5EF4-FFF2-40B4-BE49-F238E27FC236}">
-                <a16:creationId xmlns:a16="http://schemas.microsoft.com/office/drawing/2014/main" id="{4B3EC5BD-EFA1-6D40-887F-A2033A169FFD}"/>
-              </a:ext>
-            </a:extLst>
-          </p:cNvPr>
+            <a:endParaRPr lang="en-US" dirty="0"/>
+          </a:p>
+        </p:txBody>
+      </p:sp>
+      <p:sp>
+        <p:nvSpPr>
+          <p:cNvPr id="7" name="Date Placeholder 6"/>
           <p:cNvSpPr>
             <a:spLocks noGrp="1"/>
           </p:cNvSpPr>
@@ -1815,7 +1607,7 @@
           <a:p>
             <a:fld id="{4B88246E-9895-B54D-8712-78198CADACB1}" type="datetimeFigureOut">
               <a:rPr lang="en-US" smtClean="0"/>
-              <a:t>4/27/21</a:t>
+              <a:t>12/4/23</a:t>
             </a:fld>
             <a:endParaRPr lang="en-US"/>
           </a:p>
@@ -1823,13 +1615,7 @@
       </p:sp>
       <p:sp>
         <p:nvSpPr>
-          <p:cNvPr id="8" name="Footer Placeholder 7">
-            <a:extLst>
-              <a:ext uri="{FF2B5EF4-FFF2-40B4-BE49-F238E27FC236}">
-                <a16:creationId xmlns:a16="http://schemas.microsoft.com/office/drawing/2014/main" id="{8F555C37-B823-314A-931D-F4A856FB7A42}"/>
-              </a:ext>
-            </a:extLst>
-          </p:cNvPr>
+          <p:cNvPr id="8" name="Footer Placeholder 7"/>
           <p:cNvSpPr>
             <a:spLocks noGrp="1"/>
           </p:cNvSpPr>
@@ -1848,13 +1634,7 @@
       </p:sp>
       <p:sp>
         <p:nvSpPr>
-          <p:cNvPr id="9" name="Slide Number Placeholder 8">
-            <a:extLst>
-              <a:ext uri="{FF2B5EF4-FFF2-40B4-BE49-F238E27FC236}">
-                <a16:creationId xmlns:a16="http://schemas.microsoft.com/office/drawing/2014/main" id="{67365243-7373-0942-BEC8-20670218D889}"/>
-              </a:ext>
-            </a:extLst>
-          </p:cNvPr>
+          <p:cNvPr id="9" name="Slide Number Placeholder 8"/>
           <p:cNvSpPr>
             <a:spLocks noGrp="1"/>
           </p:cNvSpPr>
@@ -1878,7 +1658,7 @@
     </p:spTree>
     <p:extLst>
       <p:ext uri="{BB962C8B-B14F-4D97-AF65-F5344CB8AC3E}">
-        <p14:creationId xmlns:p14="http://schemas.microsoft.com/office/powerpoint/2010/main" val="4010164635"/>
+        <p14:creationId xmlns:p14="http://schemas.microsoft.com/office/powerpoint/2010/main" val="321564430"/>
       </p:ext>
     </p:extLst>
   </p:cSld>
@@ -1907,13 +1687,7 @@
       </p:grpSpPr>
       <p:sp>
         <p:nvSpPr>
-          <p:cNvPr id="2" name="Title 1">
-            <a:extLst>
-              <a:ext uri="{FF2B5EF4-FFF2-40B4-BE49-F238E27FC236}">
-                <a16:creationId xmlns:a16="http://schemas.microsoft.com/office/drawing/2014/main" id="{90B02316-1130-904A-8DC9-BB360402CA98}"/>
-              </a:ext>
-            </a:extLst>
-          </p:cNvPr>
+          <p:cNvPr id="2" name="Title 1"/>
           <p:cNvSpPr>
             <a:spLocks noGrp="1"/>
           </p:cNvSpPr>
@@ -1930,18 +1704,13 @@
               <a:rPr lang="en-US"/>
               <a:t>Click to edit Master title style</a:t>
             </a:r>
-          </a:p>
-        </p:txBody>
-      </p:sp>
-      <p:sp>
-        <p:nvSpPr>
-          <p:cNvPr id="3" name="Date Placeholder 2">
-            <a:extLst>
-              <a:ext uri="{FF2B5EF4-FFF2-40B4-BE49-F238E27FC236}">
-                <a16:creationId xmlns:a16="http://schemas.microsoft.com/office/drawing/2014/main" id="{5D66D451-2346-8A48-8181-CC2B746EAA6F}"/>
-              </a:ext>
-            </a:extLst>
-          </p:cNvPr>
+            <a:endParaRPr lang="en-US" dirty="0"/>
+          </a:p>
+        </p:txBody>
+      </p:sp>
+      <p:sp>
+        <p:nvSpPr>
+          <p:cNvPr id="3" name="Date Placeholder 2"/>
           <p:cNvSpPr>
             <a:spLocks noGrp="1"/>
           </p:cNvSpPr>
@@ -1956,7 +1725,7 @@
           <a:p>
             <a:fld id="{4B88246E-9895-B54D-8712-78198CADACB1}" type="datetimeFigureOut">
               <a:rPr lang="en-US" smtClean="0"/>
-              <a:t>4/27/21</a:t>
+              <a:t>12/4/23</a:t>
             </a:fld>
             <a:endParaRPr lang="en-US"/>
           </a:p>
@@ -1964,13 +1733,7 @@
       </p:sp>
       <p:sp>
         <p:nvSpPr>
-          <p:cNvPr id="4" name="Footer Placeholder 3">
-            <a:extLst>
-              <a:ext uri="{FF2B5EF4-FFF2-40B4-BE49-F238E27FC236}">
-                <a16:creationId xmlns:a16="http://schemas.microsoft.com/office/drawing/2014/main" id="{495475C5-9031-AA46-90B2-D31641104DEC}"/>
-              </a:ext>
-            </a:extLst>
-          </p:cNvPr>
+          <p:cNvPr id="4" name="Footer Placeholder 3"/>
           <p:cNvSpPr>
             <a:spLocks noGrp="1"/>
           </p:cNvSpPr>
@@ -1989,13 +1752,7 @@
       </p:sp>
       <p:sp>
         <p:nvSpPr>
-          <p:cNvPr id="5" name="Slide Number Placeholder 4">
-            <a:extLst>
-              <a:ext uri="{FF2B5EF4-FFF2-40B4-BE49-F238E27FC236}">
-                <a16:creationId xmlns:a16="http://schemas.microsoft.com/office/drawing/2014/main" id="{A72E4F40-AB58-D44D-AEAD-5FCCE9BD9636}"/>
-              </a:ext>
-            </a:extLst>
-          </p:cNvPr>
+          <p:cNvPr id="5" name="Slide Number Placeholder 4"/>
           <p:cNvSpPr>
             <a:spLocks noGrp="1"/>
           </p:cNvSpPr>
@@ -2019,7 +1776,7 @@
     </p:spTree>
     <p:extLst>
       <p:ext uri="{BB962C8B-B14F-4D97-AF65-F5344CB8AC3E}">
-        <p14:creationId xmlns:p14="http://schemas.microsoft.com/office/powerpoint/2010/main" val="3688111985"/>
+        <p14:creationId xmlns:p14="http://schemas.microsoft.com/office/powerpoint/2010/main" val="188292734"/>
       </p:ext>
     </p:extLst>
   </p:cSld>
@@ -2048,13 +1805,7 @@
       </p:grpSpPr>
       <p:sp>
         <p:nvSpPr>
-          <p:cNvPr id="2" name="Date Placeholder 1">
-            <a:extLst>
-              <a:ext uri="{FF2B5EF4-FFF2-40B4-BE49-F238E27FC236}">
-                <a16:creationId xmlns:a16="http://schemas.microsoft.com/office/drawing/2014/main" id="{33D769A2-92D6-D247-AD93-2F8BDB1B01D3}"/>
-              </a:ext>
-            </a:extLst>
-          </p:cNvPr>
+          <p:cNvPr id="2" name="Date Placeholder 1"/>
           <p:cNvSpPr>
             <a:spLocks noGrp="1"/>
           </p:cNvSpPr>
@@ -2069,7 +1820,7 @@
           <a:p>
             <a:fld id="{4B88246E-9895-B54D-8712-78198CADACB1}" type="datetimeFigureOut">
               <a:rPr lang="en-US" smtClean="0"/>
-              <a:t>4/27/21</a:t>
+              <a:t>12/4/23</a:t>
             </a:fld>
             <a:endParaRPr lang="en-US"/>
           </a:p>
@@ -2077,13 +1828,7 @@
       </p:sp>
       <p:sp>
         <p:nvSpPr>
-          <p:cNvPr id="3" name="Footer Placeholder 2">
-            <a:extLst>
-              <a:ext uri="{FF2B5EF4-FFF2-40B4-BE49-F238E27FC236}">
-                <a16:creationId xmlns:a16="http://schemas.microsoft.com/office/drawing/2014/main" id="{B718F801-9CC6-E14E-930B-44E4E41E9772}"/>
-              </a:ext>
-            </a:extLst>
-          </p:cNvPr>
+          <p:cNvPr id="3" name="Footer Placeholder 2"/>
           <p:cNvSpPr>
             <a:spLocks noGrp="1"/>
           </p:cNvSpPr>
@@ -2102,13 +1847,7 @@
       </p:sp>
       <p:sp>
         <p:nvSpPr>
-          <p:cNvPr id="4" name="Slide Number Placeholder 3">
-            <a:extLst>
-              <a:ext uri="{FF2B5EF4-FFF2-40B4-BE49-F238E27FC236}">
-                <a16:creationId xmlns:a16="http://schemas.microsoft.com/office/drawing/2014/main" id="{977D0E49-B7BA-7E41-BE4A-74396F0736C2}"/>
-              </a:ext>
-            </a:extLst>
-          </p:cNvPr>
+          <p:cNvPr id="4" name="Slide Number Placeholder 3"/>
           <p:cNvSpPr>
             <a:spLocks noGrp="1"/>
           </p:cNvSpPr>
@@ -2132,7 +1871,7 @@
     </p:spTree>
     <p:extLst>
       <p:ext uri="{BB962C8B-B14F-4D97-AF65-F5344CB8AC3E}">
-        <p14:creationId xmlns:p14="http://schemas.microsoft.com/office/powerpoint/2010/main" val="2917007875"/>
+        <p14:creationId xmlns:p14="http://schemas.microsoft.com/office/powerpoint/2010/main" val="603821677"/>
       </p:ext>
     </p:extLst>
   </p:cSld>
@@ -2161,13 +1900,7 @@
       </p:grpSpPr>
       <p:sp>
         <p:nvSpPr>
-          <p:cNvPr id="2" name="Title 1">
-            <a:extLst>
-              <a:ext uri="{FF2B5EF4-FFF2-40B4-BE49-F238E27FC236}">
-                <a16:creationId xmlns:a16="http://schemas.microsoft.com/office/drawing/2014/main" id="{EDFC0A56-5132-C048-808E-FA988C05DCBE}"/>
-              </a:ext>
-            </a:extLst>
-          </p:cNvPr>
+          <p:cNvPr id="2" name="Title 1"/>
           <p:cNvSpPr>
             <a:spLocks noGrp="1"/>
           </p:cNvSpPr>
@@ -2177,15 +1910,15 @@
         </p:nvSpPr>
         <p:spPr>
           <a:xfrm>
-            <a:off x="839788" y="457200"/>
-            <a:ext cx="3932237" cy="1600200"/>
+            <a:off x="839788" y="914400"/>
+            <a:ext cx="3932237" cy="3200400"/>
           </a:xfrm>
         </p:spPr>
         <p:txBody>
           <a:bodyPr anchor="b"/>
           <a:lstStyle>
             <a:lvl1pPr>
-              <a:defRPr sz="3200"/>
+              <a:defRPr sz="4267"/>
             </a:lvl1pPr>
           </a:lstStyle>
           <a:p>
@@ -2193,18 +1926,13 @@
               <a:rPr lang="en-US"/>
               <a:t>Click to edit Master title style</a:t>
             </a:r>
-          </a:p>
-        </p:txBody>
-      </p:sp>
-      <p:sp>
-        <p:nvSpPr>
-          <p:cNvPr id="3" name="Content Placeholder 2">
-            <a:extLst>
-              <a:ext uri="{FF2B5EF4-FFF2-40B4-BE49-F238E27FC236}">
-                <a16:creationId xmlns:a16="http://schemas.microsoft.com/office/drawing/2014/main" id="{ABF3E534-4037-3543-A86E-05892EDCAAA0}"/>
-              </a:ext>
-            </a:extLst>
-          </p:cNvPr>
+            <a:endParaRPr lang="en-US" dirty="0"/>
+          </a:p>
+        </p:txBody>
+      </p:sp>
+      <p:sp>
+        <p:nvSpPr>
+          <p:cNvPr id="3" name="Content Placeholder 2"/>
           <p:cNvSpPr>
             <a:spLocks noGrp="1"/>
           </p:cNvSpPr>
@@ -2214,39 +1942,39 @@
         </p:nvSpPr>
         <p:spPr>
           <a:xfrm>
-            <a:off x="5183188" y="987425"/>
-            <a:ext cx="6172200" cy="4873625"/>
+            <a:off x="5183188" y="1974853"/>
+            <a:ext cx="6172200" cy="9747250"/>
           </a:xfrm>
         </p:spPr>
         <p:txBody>
           <a:bodyPr/>
           <a:lstStyle>
             <a:lvl1pPr>
-              <a:defRPr sz="3200"/>
+              <a:defRPr sz="4267"/>
             </a:lvl1pPr>
             <a:lvl2pPr>
-              <a:defRPr sz="2800"/>
+              <a:defRPr sz="3733"/>
             </a:lvl2pPr>
             <a:lvl3pPr>
-              <a:defRPr sz="2400"/>
+              <a:defRPr sz="3200"/>
             </a:lvl3pPr>
             <a:lvl4pPr>
-              <a:defRPr sz="2000"/>
+              <a:defRPr sz="2667"/>
             </a:lvl4pPr>
             <a:lvl5pPr>
-              <a:defRPr sz="2000"/>
+              <a:defRPr sz="2667"/>
             </a:lvl5pPr>
             <a:lvl6pPr>
-              <a:defRPr sz="2000"/>
+              <a:defRPr sz="2667"/>
             </a:lvl6pPr>
             <a:lvl7pPr>
-              <a:defRPr sz="2000"/>
+              <a:defRPr sz="2667"/>
             </a:lvl7pPr>
             <a:lvl8pPr>
-              <a:defRPr sz="2000"/>
+              <a:defRPr sz="2667"/>
             </a:lvl8pPr>
             <a:lvl9pPr>
-              <a:defRPr sz="2000"/>
+              <a:defRPr sz="2667"/>
             </a:lvl9pPr>
           </a:lstStyle>
           <a:p>
@@ -2283,18 +2011,13 @@
               <a:rPr lang="en-US"/>
               <a:t>Fifth level</a:t>
             </a:r>
-          </a:p>
-        </p:txBody>
-      </p:sp>
-      <p:sp>
-        <p:nvSpPr>
-          <p:cNvPr id="4" name="Text Placeholder 3">
-            <a:extLst>
-              <a:ext uri="{FF2B5EF4-FFF2-40B4-BE49-F238E27FC236}">
-                <a16:creationId xmlns:a16="http://schemas.microsoft.com/office/drawing/2014/main" id="{54AB20C0-E9E3-DF49-8E34-E2BE846FD1E8}"/>
-              </a:ext>
-            </a:extLst>
-          </p:cNvPr>
+            <a:endParaRPr lang="en-US" dirty="0"/>
+          </a:p>
+        </p:txBody>
+      </p:sp>
+      <p:sp>
+        <p:nvSpPr>
+          <p:cNvPr id="4" name="Text Placeholder 3"/>
           <p:cNvSpPr>
             <a:spLocks noGrp="1"/>
           </p:cNvSpPr>
@@ -2304,8 +2027,8 @@
         </p:nvSpPr>
         <p:spPr>
           <a:xfrm>
-            <a:off x="839788" y="2057400"/>
-            <a:ext cx="3932237" cy="3811588"/>
+            <a:off x="839788" y="4114800"/>
+            <a:ext cx="3932237" cy="7623176"/>
           </a:xfrm>
         </p:spPr>
         <p:txBody>
@@ -2313,39 +2036,39 @@
           <a:lstStyle>
             <a:lvl1pPr marL="0" indent="0">
               <a:buNone/>
+              <a:defRPr sz="2133"/>
+            </a:lvl1pPr>
+            <a:lvl2pPr marL="609585" indent="0">
+              <a:buNone/>
+              <a:defRPr sz="1867"/>
+            </a:lvl2pPr>
+            <a:lvl3pPr marL="1219170" indent="0">
+              <a:buNone/>
               <a:defRPr sz="1600"/>
-            </a:lvl1pPr>
-            <a:lvl2pPr marL="457200" indent="0">
-              <a:buNone/>
-              <a:defRPr sz="1400"/>
-            </a:lvl2pPr>
-            <a:lvl3pPr marL="914400" indent="0">
-              <a:buNone/>
-              <a:defRPr sz="1200"/>
             </a:lvl3pPr>
-            <a:lvl4pPr marL="1371600" indent="0">
-              <a:buNone/>
-              <a:defRPr sz="1000"/>
+            <a:lvl4pPr marL="1828754" indent="0">
+              <a:buNone/>
+              <a:defRPr sz="1333"/>
             </a:lvl4pPr>
-            <a:lvl5pPr marL="1828800" indent="0">
-              <a:buNone/>
-              <a:defRPr sz="1000"/>
+            <a:lvl5pPr marL="2438339" indent="0">
+              <a:buNone/>
+              <a:defRPr sz="1333"/>
             </a:lvl5pPr>
-            <a:lvl6pPr marL="2286000" indent="0">
-              <a:buNone/>
-              <a:defRPr sz="1000"/>
+            <a:lvl6pPr marL="3047924" indent="0">
+              <a:buNone/>
+              <a:defRPr sz="1333"/>
             </a:lvl6pPr>
-            <a:lvl7pPr marL="2743200" indent="0">
-              <a:buNone/>
-              <a:defRPr sz="1000"/>
+            <a:lvl7pPr marL="3657509" indent="0">
+              <a:buNone/>
+              <a:defRPr sz="1333"/>
             </a:lvl7pPr>
-            <a:lvl8pPr marL="3200400" indent="0">
-              <a:buNone/>
-              <a:defRPr sz="1000"/>
+            <a:lvl8pPr marL="4267093" indent="0">
+              <a:buNone/>
+              <a:defRPr sz="1333"/>
             </a:lvl8pPr>
-            <a:lvl9pPr marL="3657600" indent="0">
-              <a:buNone/>
-              <a:defRPr sz="1000"/>
+            <a:lvl9pPr marL="4876678" indent="0">
+              <a:buNone/>
+              <a:defRPr sz="1333"/>
             </a:lvl9pPr>
           </a:lstStyle>
           <a:p>
@@ -2359,13 +2082,7 @@
       </p:sp>
       <p:sp>
         <p:nvSpPr>
-          <p:cNvPr id="5" name="Date Placeholder 4">
-            <a:extLst>
-              <a:ext uri="{FF2B5EF4-FFF2-40B4-BE49-F238E27FC236}">
-                <a16:creationId xmlns:a16="http://schemas.microsoft.com/office/drawing/2014/main" id="{C742C13F-157A-EA48-8BA9-2A068AFAD146}"/>
-              </a:ext>
-            </a:extLst>
-          </p:cNvPr>
+          <p:cNvPr id="5" name="Date Placeholder 4"/>
           <p:cNvSpPr>
             <a:spLocks noGrp="1"/>
           </p:cNvSpPr>
@@ -2380,7 +2097,7 @@
           <a:p>
             <a:fld id="{4B88246E-9895-B54D-8712-78198CADACB1}" type="datetimeFigureOut">
               <a:rPr lang="en-US" smtClean="0"/>
-              <a:t>4/27/21</a:t>
+              <a:t>12/4/23</a:t>
             </a:fld>
             <a:endParaRPr lang="en-US"/>
           </a:p>
@@ -2388,13 +2105,7 @@
       </p:sp>
       <p:sp>
         <p:nvSpPr>
-          <p:cNvPr id="6" name="Footer Placeholder 5">
-            <a:extLst>
-              <a:ext uri="{FF2B5EF4-FFF2-40B4-BE49-F238E27FC236}">
-                <a16:creationId xmlns:a16="http://schemas.microsoft.com/office/drawing/2014/main" id="{BB10AC7B-0CEB-7342-BFBF-7AAABCDCA4D7}"/>
-              </a:ext>
-            </a:extLst>
-          </p:cNvPr>
+          <p:cNvPr id="6" name="Footer Placeholder 5"/>
           <p:cNvSpPr>
             <a:spLocks noGrp="1"/>
           </p:cNvSpPr>
@@ -2413,13 +2124,7 @@
       </p:sp>
       <p:sp>
         <p:nvSpPr>
-          <p:cNvPr id="7" name="Slide Number Placeholder 6">
-            <a:extLst>
-              <a:ext uri="{FF2B5EF4-FFF2-40B4-BE49-F238E27FC236}">
-                <a16:creationId xmlns:a16="http://schemas.microsoft.com/office/drawing/2014/main" id="{FCC4970F-AF34-6B44-A44F-9EB5376E9631}"/>
-              </a:ext>
-            </a:extLst>
-          </p:cNvPr>
+          <p:cNvPr id="7" name="Slide Number Placeholder 6"/>
           <p:cNvSpPr>
             <a:spLocks noGrp="1"/>
           </p:cNvSpPr>
@@ -2443,7 +2148,7 @@
     </p:spTree>
     <p:extLst>
       <p:ext uri="{BB962C8B-B14F-4D97-AF65-F5344CB8AC3E}">
-        <p14:creationId xmlns:p14="http://schemas.microsoft.com/office/powerpoint/2010/main" val="3346856751"/>
+        <p14:creationId xmlns:p14="http://schemas.microsoft.com/office/powerpoint/2010/main" val="2136702468"/>
       </p:ext>
     </p:extLst>
   </p:cSld>
@@ -2472,13 +2177,7 @@
       </p:grpSpPr>
       <p:sp>
         <p:nvSpPr>
-          <p:cNvPr id="2" name="Title 1">
-            <a:extLst>
-              <a:ext uri="{FF2B5EF4-FFF2-40B4-BE49-F238E27FC236}">
-                <a16:creationId xmlns:a16="http://schemas.microsoft.com/office/drawing/2014/main" id="{D4FA8513-B29A-334A-BBE9-C92CB1E775B7}"/>
-              </a:ext>
-            </a:extLst>
-          </p:cNvPr>
+          <p:cNvPr id="2" name="Title 1"/>
           <p:cNvSpPr>
             <a:spLocks noGrp="1"/>
           </p:cNvSpPr>
@@ -2488,15 +2187,15 @@
         </p:nvSpPr>
         <p:spPr>
           <a:xfrm>
-            <a:off x="839788" y="457200"/>
-            <a:ext cx="3932237" cy="1600200"/>
+            <a:off x="839788" y="914400"/>
+            <a:ext cx="3932237" cy="3200400"/>
           </a:xfrm>
         </p:spPr>
         <p:txBody>
           <a:bodyPr anchor="b"/>
           <a:lstStyle>
             <a:lvl1pPr>
-              <a:defRPr sz="3200"/>
+              <a:defRPr sz="4267"/>
             </a:lvl1pPr>
           </a:lstStyle>
           <a:p>
@@ -2504,20 +2203,15 @@
               <a:rPr lang="en-US"/>
               <a:t>Click to edit Master title style</a:t>
             </a:r>
-          </a:p>
-        </p:txBody>
-      </p:sp>
-      <p:sp>
-        <p:nvSpPr>
-          <p:cNvPr id="3" name="Picture Placeholder 2">
-            <a:extLst>
-              <a:ext uri="{FF2B5EF4-FFF2-40B4-BE49-F238E27FC236}">
-                <a16:creationId xmlns:a16="http://schemas.microsoft.com/office/drawing/2014/main" id="{C6B25DB8-2F40-BF4A-8395-05BD1799B4A9}"/>
-              </a:ext>
-            </a:extLst>
-          </p:cNvPr>
-          <p:cNvSpPr>
-            <a:spLocks noGrp="1"/>
+            <a:endParaRPr lang="en-US" dirty="0"/>
+          </a:p>
+        </p:txBody>
+      </p:sp>
+      <p:sp>
+        <p:nvSpPr>
+          <p:cNvPr id="3" name="Picture Placeholder 2"/>
+          <p:cNvSpPr>
+            <a:spLocks noGrp="1" noChangeAspect="1"/>
           </p:cNvSpPr>
           <p:nvPr>
             <p:ph type="pic" idx="1"/>
@@ -2525,64 +2219,62 @@
         </p:nvSpPr>
         <p:spPr>
           <a:xfrm>
-            <a:off x="5183188" y="987425"/>
-            <a:ext cx="6172200" cy="4873625"/>
+            <a:off x="5183188" y="1974853"/>
+            <a:ext cx="6172200" cy="9747250"/>
           </a:xfrm>
         </p:spPr>
         <p:txBody>
-          <a:bodyPr/>
+          <a:bodyPr anchor="t"/>
           <a:lstStyle>
             <a:lvl1pPr marL="0" indent="0">
               <a:buNone/>
+              <a:defRPr sz="4267"/>
+            </a:lvl1pPr>
+            <a:lvl2pPr marL="609585" indent="0">
+              <a:buNone/>
+              <a:defRPr sz="3733"/>
+            </a:lvl2pPr>
+            <a:lvl3pPr marL="1219170" indent="0">
+              <a:buNone/>
               <a:defRPr sz="3200"/>
-            </a:lvl1pPr>
-            <a:lvl2pPr marL="457200" indent="0">
-              <a:buNone/>
-              <a:defRPr sz="2800"/>
-            </a:lvl2pPr>
-            <a:lvl3pPr marL="914400" indent="0">
-              <a:buNone/>
-              <a:defRPr sz="2400"/>
             </a:lvl3pPr>
-            <a:lvl4pPr marL="1371600" indent="0">
-              <a:buNone/>
-              <a:defRPr sz="2000"/>
+            <a:lvl4pPr marL="1828754" indent="0">
+              <a:buNone/>
+              <a:defRPr sz="2667"/>
             </a:lvl4pPr>
-            <a:lvl5pPr marL="1828800" indent="0">
-              <a:buNone/>
-              <a:defRPr sz="2000"/>
+            <a:lvl5pPr marL="2438339" indent="0">
+              <a:buNone/>
+              <a:defRPr sz="2667"/>
             </a:lvl5pPr>
-            <a:lvl6pPr marL="2286000" indent="0">
-              <a:buNone/>
-              <a:defRPr sz="2000"/>
+            <a:lvl6pPr marL="3047924" indent="0">
+              <a:buNone/>
+              <a:defRPr sz="2667"/>
             </a:lvl6pPr>
-            <a:lvl7pPr marL="2743200" indent="0">
-              <a:buNone/>
-              <a:defRPr sz="2000"/>
+            <a:lvl7pPr marL="3657509" indent="0">
+              <a:buNone/>
+              <a:defRPr sz="2667"/>
             </a:lvl7pPr>
-            <a:lvl8pPr marL="3200400" indent="0">
-              <a:buNone/>
-              <a:defRPr sz="2000"/>
+            <a:lvl8pPr marL="4267093" indent="0">
+              <a:buNone/>
+              <a:defRPr sz="2667"/>
             </a:lvl8pPr>
-            <a:lvl9pPr marL="3657600" indent="0">
-              <a:buNone/>
-              <a:defRPr sz="2000"/>
+            <a:lvl9pPr marL="4876678" indent="0">
+              <a:buNone/>
+              <a:defRPr sz="2667"/>
             </a:lvl9pPr>
           </a:lstStyle>
           <a:p>
-            <a:endParaRPr lang="en-US"/>
-          </a:p>
-        </p:txBody>
-      </p:sp>
-      <p:sp>
-        <p:nvSpPr>
-          <p:cNvPr id="4" name="Text Placeholder 3">
-            <a:extLst>
-              <a:ext uri="{FF2B5EF4-FFF2-40B4-BE49-F238E27FC236}">
-                <a16:creationId xmlns:a16="http://schemas.microsoft.com/office/drawing/2014/main" id="{992BD516-9E7A-D045-8B58-4FE9E8FB7C6D}"/>
-              </a:ext>
-            </a:extLst>
-          </p:cNvPr>
+            <a:r>
+              <a:rPr lang="en-US"/>
+              <a:t>Click icon to add picture</a:t>
+            </a:r>
+            <a:endParaRPr lang="en-US" dirty="0"/>
+          </a:p>
+        </p:txBody>
+      </p:sp>
+      <p:sp>
+        <p:nvSpPr>
+          <p:cNvPr id="4" name="Text Placeholder 3"/>
           <p:cNvSpPr>
             <a:spLocks noGrp="1"/>
           </p:cNvSpPr>
@@ -2592,8 +2284,8 @@
         </p:nvSpPr>
         <p:spPr>
           <a:xfrm>
-            <a:off x="839788" y="2057400"/>
-            <a:ext cx="3932237" cy="3811588"/>
+            <a:off x="839788" y="4114800"/>
+            <a:ext cx="3932237" cy="7623176"/>
           </a:xfrm>
         </p:spPr>
         <p:txBody>
@@ -2601,39 +2293,39 @@
           <a:lstStyle>
             <a:lvl1pPr marL="0" indent="0">
               <a:buNone/>
+              <a:defRPr sz="2133"/>
+            </a:lvl1pPr>
+            <a:lvl2pPr marL="609585" indent="0">
+              <a:buNone/>
+              <a:defRPr sz="1867"/>
+            </a:lvl2pPr>
+            <a:lvl3pPr marL="1219170" indent="0">
+              <a:buNone/>
               <a:defRPr sz="1600"/>
-            </a:lvl1pPr>
-            <a:lvl2pPr marL="457200" indent="0">
-              <a:buNone/>
-              <a:defRPr sz="1400"/>
-            </a:lvl2pPr>
-            <a:lvl3pPr marL="914400" indent="0">
-              <a:buNone/>
-              <a:defRPr sz="1200"/>
             </a:lvl3pPr>
-            <a:lvl4pPr marL="1371600" indent="0">
-              <a:buNone/>
-              <a:defRPr sz="1000"/>
+            <a:lvl4pPr marL="1828754" indent="0">
+              <a:buNone/>
+              <a:defRPr sz="1333"/>
             </a:lvl4pPr>
-            <a:lvl5pPr marL="1828800" indent="0">
-              <a:buNone/>
-              <a:defRPr sz="1000"/>
+            <a:lvl5pPr marL="2438339" indent="0">
+              <a:buNone/>
+              <a:defRPr sz="1333"/>
             </a:lvl5pPr>
-            <a:lvl6pPr marL="2286000" indent="0">
-              <a:buNone/>
-              <a:defRPr sz="1000"/>
+            <a:lvl6pPr marL="3047924" indent="0">
+              <a:buNone/>
+              <a:defRPr sz="1333"/>
             </a:lvl6pPr>
-            <a:lvl7pPr marL="2743200" indent="0">
-              <a:buNone/>
-              <a:defRPr sz="1000"/>
+            <a:lvl7pPr marL="3657509" indent="0">
+              <a:buNone/>
+              <a:defRPr sz="1333"/>
             </a:lvl7pPr>
-            <a:lvl8pPr marL="3200400" indent="0">
-              <a:buNone/>
-              <a:defRPr sz="1000"/>
+            <a:lvl8pPr marL="4267093" indent="0">
+              <a:buNone/>
+              <a:defRPr sz="1333"/>
             </a:lvl8pPr>
-            <a:lvl9pPr marL="3657600" indent="0">
-              <a:buNone/>
-              <a:defRPr sz="1000"/>
+            <a:lvl9pPr marL="4876678" indent="0">
+              <a:buNone/>
+              <a:defRPr sz="1333"/>
             </a:lvl9pPr>
           </a:lstStyle>
           <a:p>
@@ -2647,13 +2339,7 @@
       </p:sp>
       <p:sp>
         <p:nvSpPr>
-          <p:cNvPr id="5" name="Date Placeholder 4">
-            <a:extLst>
-              <a:ext uri="{FF2B5EF4-FFF2-40B4-BE49-F238E27FC236}">
-                <a16:creationId xmlns:a16="http://schemas.microsoft.com/office/drawing/2014/main" id="{43A61ADB-9CF0-FF42-9CFA-04C7B355D96D}"/>
-              </a:ext>
-            </a:extLst>
-          </p:cNvPr>
+          <p:cNvPr id="5" name="Date Placeholder 4"/>
           <p:cNvSpPr>
             <a:spLocks noGrp="1"/>
           </p:cNvSpPr>
@@ -2668,7 +2354,7 @@
           <a:p>
             <a:fld id="{4B88246E-9895-B54D-8712-78198CADACB1}" type="datetimeFigureOut">
               <a:rPr lang="en-US" smtClean="0"/>
-              <a:t>4/27/21</a:t>
+              <a:t>12/4/23</a:t>
             </a:fld>
             <a:endParaRPr lang="en-US"/>
           </a:p>
@@ -2676,13 +2362,7 @@
       </p:sp>
       <p:sp>
         <p:nvSpPr>
-          <p:cNvPr id="6" name="Footer Placeholder 5">
-            <a:extLst>
-              <a:ext uri="{FF2B5EF4-FFF2-40B4-BE49-F238E27FC236}">
-                <a16:creationId xmlns:a16="http://schemas.microsoft.com/office/drawing/2014/main" id="{A3A6C362-6F0B-D044-870A-A7D53AA6C48B}"/>
-              </a:ext>
-            </a:extLst>
-          </p:cNvPr>
+          <p:cNvPr id="6" name="Footer Placeholder 5"/>
           <p:cNvSpPr>
             <a:spLocks noGrp="1"/>
           </p:cNvSpPr>
@@ -2701,13 +2381,7 @@
       </p:sp>
       <p:sp>
         <p:nvSpPr>
-          <p:cNvPr id="7" name="Slide Number Placeholder 6">
-            <a:extLst>
-              <a:ext uri="{FF2B5EF4-FFF2-40B4-BE49-F238E27FC236}">
-                <a16:creationId xmlns:a16="http://schemas.microsoft.com/office/drawing/2014/main" id="{6F8B0D7C-2624-BB47-8FC0-A0DC1AC68E67}"/>
-              </a:ext>
-            </a:extLst>
-          </p:cNvPr>
+          <p:cNvPr id="7" name="Slide Number Placeholder 6"/>
           <p:cNvSpPr>
             <a:spLocks noGrp="1"/>
           </p:cNvSpPr>
@@ -2731,7 +2405,7 @@
     </p:spTree>
     <p:extLst>
       <p:ext uri="{BB962C8B-B14F-4D97-AF65-F5344CB8AC3E}">
-        <p14:creationId xmlns:p14="http://schemas.microsoft.com/office/powerpoint/2010/main" val="3788882024"/>
+        <p14:creationId xmlns:p14="http://schemas.microsoft.com/office/powerpoint/2010/main" val="1809612215"/>
       </p:ext>
     </p:extLst>
   </p:cSld>
@@ -2765,13 +2439,7 @@
       </p:grpSpPr>
       <p:sp>
         <p:nvSpPr>
-          <p:cNvPr id="2" name="Title Placeholder 1">
-            <a:extLst>
-              <a:ext uri="{FF2B5EF4-FFF2-40B4-BE49-F238E27FC236}">
-                <a16:creationId xmlns:a16="http://schemas.microsoft.com/office/drawing/2014/main" id="{D138E2C5-098B-1242-AB77-614B311DAE21}"/>
-              </a:ext>
-            </a:extLst>
-          </p:cNvPr>
+          <p:cNvPr id="2" name="Title Placeholder 1"/>
           <p:cNvSpPr>
             <a:spLocks noGrp="1"/>
           </p:cNvSpPr>
@@ -2781,8 +2449,8 @@
         </p:nvSpPr>
         <p:spPr>
           <a:xfrm>
-            <a:off x="838200" y="365125"/>
-            <a:ext cx="10515600" cy="1325563"/>
+            <a:off x="838200" y="730253"/>
+            <a:ext cx="10515600" cy="2651126"/>
           </a:xfrm>
           <a:prstGeom prst="rect">
             <a:avLst/>
@@ -2798,18 +2466,13 @@
               <a:rPr lang="en-US"/>
               <a:t>Click to edit Master title style</a:t>
             </a:r>
-          </a:p>
-        </p:txBody>
-      </p:sp>
-      <p:sp>
-        <p:nvSpPr>
-          <p:cNvPr id="3" name="Text Placeholder 2">
-            <a:extLst>
-              <a:ext uri="{FF2B5EF4-FFF2-40B4-BE49-F238E27FC236}">
-                <a16:creationId xmlns:a16="http://schemas.microsoft.com/office/drawing/2014/main" id="{6066A16A-3DAD-E14F-9850-F235072B7071}"/>
-              </a:ext>
-            </a:extLst>
-          </p:cNvPr>
+            <a:endParaRPr lang="en-US" dirty="0"/>
+          </a:p>
+        </p:txBody>
+      </p:sp>
+      <p:sp>
+        <p:nvSpPr>
+          <p:cNvPr id="3" name="Text Placeholder 2"/>
           <p:cNvSpPr>
             <a:spLocks noGrp="1"/>
           </p:cNvSpPr>
@@ -2819,8 +2482,8 @@
         </p:nvSpPr>
         <p:spPr>
           <a:xfrm>
-            <a:off x="838200" y="1825625"/>
-            <a:ext cx="10515600" cy="4351338"/>
+            <a:off x="838200" y="3651250"/>
+            <a:ext cx="10515600" cy="8702676"/>
           </a:xfrm>
           <a:prstGeom prst="rect">
             <a:avLst/>
@@ -2865,18 +2528,13 @@
               <a:rPr lang="en-US"/>
               <a:t>Fifth level</a:t>
             </a:r>
-          </a:p>
-        </p:txBody>
-      </p:sp>
-      <p:sp>
-        <p:nvSpPr>
-          <p:cNvPr id="4" name="Date Placeholder 3">
-            <a:extLst>
-              <a:ext uri="{FF2B5EF4-FFF2-40B4-BE49-F238E27FC236}">
-                <a16:creationId xmlns:a16="http://schemas.microsoft.com/office/drawing/2014/main" id="{7FE081FF-7102-0541-A880-33CDFBC9E16B}"/>
-              </a:ext>
-            </a:extLst>
-          </p:cNvPr>
+            <a:endParaRPr lang="en-US" dirty="0"/>
+          </a:p>
+        </p:txBody>
+      </p:sp>
+      <p:sp>
+        <p:nvSpPr>
+          <p:cNvPr id="4" name="Date Placeholder 3"/>
           <p:cNvSpPr>
             <a:spLocks noGrp="1"/>
           </p:cNvSpPr>
@@ -2886,8 +2544,8 @@
         </p:nvSpPr>
         <p:spPr>
           <a:xfrm>
-            <a:off x="838200" y="6356350"/>
-            <a:ext cx="2743200" cy="365125"/>
+            <a:off x="838200" y="12712703"/>
+            <a:ext cx="2743200" cy="730250"/>
           </a:xfrm>
           <a:prstGeom prst="rect">
             <a:avLst/>
@@ -2897,7 +2555,7 @@
           <a:bodyPr vert="horz" lIns="91440" tIns="45720" rIns="91440" bIns="45720" rtlCol="0" anchor="ctr"/>
           <a:lstStyle>
             <a:lvl1pPr algn="l">
-              <a:defRPr sz="1200">
+              <a:defRPr sz="1600">
                 <a:solidFill>
                   <a:schemeClr val="tx1">
                     <a:tint val="75000"/>
@@ -2909,7 +2567,7 @@
           <a:p>
             <a:fld id="{4B88246E-9895-B54D-8712-78198CADACB1}" type="datetimeFigureOut">
               <a:rPr lang="en-US" smtClean="0"/>
-              <a:t>4/27/21</a:t>
+              <a:t>12/4/23</a:t>
             </a:fld>
             <a:endParaRPr lang="en-US"/>
           </a:p>
@@ -2917,13 +2575,7 @@
       </p:sp>
       <p:sp>
         <p:nvSpPr>
-          <p:cNvPr id="5" name="Footer Placeholder 4">
-            <a:extLst>
-              <a:ext uri="{FF2B5EF4-FFF2-40B4-BE49-F238E27FC236}">
-                <a16:creationId xmlns:a16="http://schemas.microsoft.com/office/drawing/2014/main" id="{28B60B98-D45A-BB48-A97F-D462B2036081}"/>
-              </a:ext>
-            </a:extLst>
-          </p:cNvPr>
+          <p:cNvPr id="5" name="Footer Placeholder 4"/>
           <p:cNvSpPr>
             <a:spLocks noGrp="1"/>
           </p:cNvSpPr>
@@ -2933,8 +2585,8 @@
         </p:nvSpPr>
         <p:spPr>
           <a:xfrm>
-            <a:off x="4038600" y="6356350"/>
-            <a:ext cx="4114800" cy="365125"/>
+            <a:off x="4038600" y="12712703"/>
+            <a:ext cx="4114800" cy="730250"/>
           </a:xfrm>
           <a:prstGeom prst="rect">
             <a:avLst/>
@@ -2944,7 +2596,7 @@
           <a:bodyPr vert="horz" lIns="91440" tIns="45720" rIns="91440" bIns="45720" rtlCol="0" anchor="ctr"/>
           <a:lstStyle>
             <a:lvl1pPr algn="ctr">
-              <a:defRPr sz="1200">
+              <a:defRPr sz="1600">
                 <a:solidFill>
                   <a:schemeClr val="tx1">
                     <a:tint val="75000"/>
@@ -2960,13 +2612,7 @@
       </p:sp>
       <p:sp>
         <p:nvSpPr>
-          <p:cNvPr id="6" name="Slide Number Placeholder 5">
-            <a:extLst>
-              <a:ext uri="{FF2B5EF4-FFF2-40B4-BE49-F238E27FC236}">
-                <a16:creationId xmlns:a16="http://schemas.microsoft.com/office/drawing/2014/main" id="{C394CE8D-5C51-3640-98FE-17A43450D09B}"/>
-              </a:ext>
-            </a:extLst>
-          </p:cNvPr>
+          <p:cNvPr id="6" name="Slide Number Placeholder 5"/>
           <p:cNvSpPr>
             <a:spLocks noGrp="1"/>
           </p:cNvSpPr>
@@ -2976,8 +2622,8 @@
         </p:nvSpPr>
         <p:spPr>
           <a:xfrm>
-            <a:off x="8610600" y="6356350"/>
-            <a:ext cx="2743200" cy="365125"/>
+            <a:off x="8610600" y="12712703"/>
+            <a:ext cx="2743200" cy="730250"/>
           </a:xfrm>
           <a:prstGeom prst="rect">
             <a:avLst/>
@@ -2987,7 +2633,7 @@
           <a:bodyPr vert="horz" lIns="91440" tIns="45720" rIns="91440" bIns="45720" rtlCol="0" anchor="ctr"/>
           <a:lstStyle>
             <a:lvl1pPr algn="r">
-              <a:defRPr sz="1200">
+              <a:defRPr sz="1600">
                 <a:solidFill>
                   <a:schemeClr val="tx1">
                     <a:tint val="75000"/>
@@ -3008,27 +2654,27 @@
     </p:spTree>
     <p:extLst>
       <p:ext uri="{BB962C8B-B14F-4D97-AF65-F5344CB8AC3E}">
-        <p14:creationId xmlns:p14="http://schemas.microsoft.com/office/powerpoint/2010/main" val="1907238053"/>
+        <p14:creationId xmlns:p14="http://schemas.microsoft.com/office/powerpoint/2010/main" val="3494684561"/>
       </p:ext>
     </p:extLst>
   </p:cSld>
   <p:clrMap bg1="lt1" tx1="dk1" bg2="lt2" tx2="dk2" accent1="accent1" accent2="accent2" accent3="accent3" accent4="accent4" accent5="accent5" accent6="accent6" hlink="hlink" folHlink="folHlink"/>
   <p:sldLayoutIdLst>
-    <p:sldLayoutId id="2147483649" r:id="rId1"/>
-    <p:sldLayoutId id="2147483650" r:id="rId2"/>
-    <p:sldLayoutId id="2147483651" r:id="rId3"/>
-    <p:sldLayoutId id="2147483652" r:id="rId4"/>
-    <p:sldLayoutId id="2147483653" r:id="rId5"/>
-    <p:sldLayoutId id="2147483654" r:id="rId6"/>
-    <p:sldLayoutId id="2147483655" r:id="rId7"/>
-    <p:sldLayoutId id="2147483656" r:id="rId8"/>
-    <p:sldLayoutId id="2147483657" r:id="rId9"/>
-    <p:sldLayoutId id="2147483658" r:id="rId10"/>
-    <p:sldLayoutId id="2147483659" r:id="rId11"/>
+    <p:sldLayoutId id="2147483661" r:id="rId1"/>
+    <p:sldLayoutId id="2147483662" r:id="rId2"/>
+    <p:sldLayoutId id="2147483663" r:id="rId3"/>
+    <p:sldLayoutId id="2147483664" r:id="rId4"/>
+    <p:sldLayoutId id="2147483665" r:id="rId5"/>
+    <p:sldLayoutId id="2147483666" r:id="rId6"/>
+    <p:sldLayoutId id="2147483667" r:id="rId7"/>
+    <p:sldLayoutId id="2147483668" r:id="rId8"/>
+    <p:sldLayoutId id="2147483669" r:id="rId9"/>
+    <p:sldLayoutId id="2147483670" r:id="rId10"/>
+    <p:sldLayoutId id="2147483671" r:id="rId11"/>
   </p:sldLayoutIdLst>
   <p:txStyles>
     <p:titleStyle>
-      <a:lvl1pPr algn="l" defTabSz="914400" rtl="0" eaLnBrk="1" latinLnBrk="0" hangingPunct="1">
+      <a:lvl1pPr algn="l" defTabSz="1219170" rtl="0" eaLnBrk="1" latinLnBrk="0" hangingPunct="1">
         <a:lnSpc>
           <a:spcPct val="90000"/>
         </a:lnSpc>
@@ -3036,7 +2682,7 @@
           <a:spcPct val="0"/>
         </a:spcBef>
         <a:buNone/>
-        <a:defRPr sz="4400" kern="1200">
+        <a:defRPr sz="5867" kern="1200">
           <a:solidFill>
             <a:schemeClr val="tx1"/>
           </a:solidFill>
@@ -3047,16 +2693,16 @@
       </a:lvl1pPr>
     </p:titleStyle>
     <p:bodyStyle>
-      <a:lvl1pPr marL="228600" indent="-228600" algn="l" defTabSz="914400" rtl="0" eaLnBrk="1" latinLnBrk="0" hangingPunct="1">
+      <a:lvl1pPr marL="304792" indent="-304792" algn="l" defTabSz="1219170" rtl="0" eaLnBrk="1" latinLnBrk="0" hangingPunct="1">
         <a:lnSpc>
           <a:spcPct val="90000"/>
         </a:lnSpc>
         <a:spcBef>
-          <a:spcPts val="1000"/>
+          <a:spcPts val="1333"/>
         </a:spcBef>
         <a:buFont typeface="Arial" panose="020B0604020202020204" pitchFamily="34" charset="0"/>
         <a:buChar char="•"/>
-        <a:defRPr sz="2800" kern="1200">
+        <a:defRPr sz="3733" kern="1200">
           <a:solidFill>
             <a:schemeClr val="tx1"/>
           </a:solidFill>
@@ -3065,12 +2711,48 @@
           <a:cs typeface="+mn-cs"/>
         </a:defRPr>
       </a:lvl1pPr>
-      <a:lvl2pPr marL="685800" indent="-228600" algn="l" defTabSz="914400" rtl="0" eaLnBrk="1" latinLnBrk="0" hangingPunct="1">
+      <a:lvl2pPr marL="914377" indent="-304792" algn="l" defTabSz="1219170" rtl="0" eaLnBrk="1" latinLnBrk="0" hangingPunct="1">
         <a:lnSpc>
           <a:spcPct val="90000"/>
         </a:lnSpc>
         <a:spcBef>
-          <a:spcPts val="500"/>
+          <a:spcPts val="667"/>
+        </a:spcBef>
+        <a:buFont typeface="Arial" panose="020B0604020202020204" pitchFamily="34" charset="0"/>
+        <a:buChar char="•"/>
+        <a:defRPr sz="3200" kern="1200">
+          <a:solidFill>
+            <a:schemeClr val="tx1"/>
+          </a:solidFill>
+          <a:latin typeface="+mn-lt"/>
+          <a:ea typeface="+mn-ea"/>
+          <a:cs typeface="+mn-cs"/>
+        </a:defRPr>
+      </a:lvl2pPr>
+      <a:lvl3pPr marL="1523962" indent="-304792" algn="l" defTabSz="1219170" rtl="0" eaLnBrk="1" latinLnBrk="0" hangingPunct="1">
+        <a:lnSpc>
+          <a:spcPct val="90000"/>
+        </a:lnSpc>
+        <a:spcBef>
+          <a:spcPts val="667"/>
+        </a:spcBef>
+        <a:buFont typeface="Arial" panose="020B0604020202020204" pitchFamily="34" charset="0"/>
+        <a:buChar char="•"/>
+        <a:defRPr sz="2667" kern="1200">
+          <a:solidFill>
+            <a:schemeClr val="tx1"/>
+          </a:solidFill>
+          <a:latin typeface="+mn-lt"/>
+          <a:ea typeface="+mn-ea"/>
+          <a:cs typeface="+mn-cs"/>
+        </a:defRPr>
+      </a:lvl3pPr>
+      <a:lvl4pPr marL="2133547" indent="-304792" algn="l" defTabSz="1219170" rtl="0" eaLnBrk="1" latinLnBrk="0" hangingPunct="1">
+        <a:lnSpc>
+          <a:spcPct val="90000"/>
+        </a:lnSpc>
+        <a:spcBef>
+          <a:spcPts val="667"/>
         </a:spcBef>
         <a:buFont typeface="Arial" panose="020B0604020202020204" pitchFamily="34" charset="0"/>
         <a:buChar char="•"/>
@@ -3082,53 +2764,17 @@
           <a:ea typeface="+mn-ea"/>
           <a:cs typeface="+mn-cs"/>
         </a:defRPr>
-      </a:lvl2pPr>
-      <a:lvl3pPr marL="1143000" indent="-228600" algn="l" defTabSz="914400" rtl="0" eaLnBrk="1" latinLnBrk="0" hangingPunct="1">
+      </a:lvl4pPr>
+      <a:lvl5pPr marL="2743131" indent="-304792" algn="l" defTabSz="1219170" rtl="0" eaLnBrk="1" latinLnBrk="0" hangingPunct="1">
         <a:lnSpc>
           <a:spcPct val="90000"/>
         </a:lnSpc>
         <a:spcBef>
-          <a:spcPts val="500"/>
+          <a:spcPts val="667"/>
         </a:spcBef>
         <a:buFont typeface="Arial" panose="020B0604020202020204" pitchFamily="34" charset="0"/>
         <a:buChar char="•"/>
-        <a:defRPr sz="2000" kern="1200">
-          <a:solidFill>
-            <a:schemeClr val="tx1"/>
-          </a:solidFill>
-          <a:latin typeface="+mn-lt"/>
-          <a:ea typeface="+mn-ea"/>
-          <a:cs typeface="+mn-cs"/>
-        </a:defRPr>
-      </a:lvl3pPr>
-      <a:lvl4pPr marL="1600200" indent="-228600" algn="l" defTabSz="914400" rtl="0" eaLnBrk="1" latinLnBrk="0" hangingPunct="1">
-        <a:lnSpc>
-          <a:spcPct val="90000"/>
-        </a:lnSpc>
-        <a:spcBef>
-          <a:spcPts val="500"/>
-        </a:spcBef>
-        <a:buFont typeface="Arial" panose="020B0604020202020204" pitchFamily="34" charset="0"/>
-        <a:buChar char="•"/>
-        <a:defRPr sz="1800" kern="1200">
-          <a:solidFill>
-            <a:schemeClr val="tx1"/>
-          </a:solidFill>
-          <a:latin typeface="+mn-lt"/>
-          <a:ea typeface="+mn-ea"/>
-          <a:cs typeface="+mn-cs"/>
-        </a:defRPr>
-      </a:lvl4pPr>
-      <a:lvl5pPr marL="2057400" indent="-228600" algn="l" defTabSz="914400" rtl="0" eaLnBrk="1" latinLnBrk="0" hangingPunct="1">
-        <a:lnSpc>
-          <a:spcPct val="90000"/>
-        </a:lnSpc>
-        <a:spcBef>
-          <a:spcPts val="500"/>
-        </a:spcBef>
-        <a:buFont typeface="Arial" panose="020B0604020202020204" pitchFamily="34" charset="0"/>
-        <a:buChar char="•"/>
-        <a:defRPr sz="1800" kern="1200">
+        <a:defRPr sz="2400" kern="1200">
           <a:solidFill>
             <a:schemeClr val="tx1"/>
           </a:solidFill>
@@ -3137,16 +2783,16 @@
           <a:cs typeface="+mn-cs"/>
         </a:defRPr>
       </a:lvl5pPr>
-      <a:lvl6pPr marL="2514600" indent="-228600" algn="l" defTabSz="914400" rtl="0" eaLnBrk="1" latinLnBrk="0" hangingPunct="1">
+      <a:lvl6pPr marL="3352716" indent="-304792" algn="l" defTabSz="1219170" rtl="0" eaLnBrk="1" latinLnBrk="0" hangingPunct="1">
         <a:lnSpc>
           <a:spcPct val="90000"/>
         </a:lnSpc>
         <a:spcBef>
-          <a:spcPts val="500"/>
+          <a:spcPts val="667"/>
         </a:spcBef>
         <a:buFont typeface="Arial" panose="020B0604020202020204" pitchFamily="34" charset="0"/>
         <a:buChar char="•"/>
-        <a:defRPr sz="1800" kern="1200">
+        <a:defRPr sz="2400" kern="1200">
           <a:solidFill>
             <a:schemeClr val="tx1"/>
           </a:solidFill>
@@ -3155,16 +2801,16 @@
           <a:cs typeface="+mn-cs"/>
         </a:defRPr>
       </a:lvl6pPr>
-      <a:lvl7pPr marL="2971800" indent="-228600" algn="l" defTabSz="914400" rtl="0" eaLnBrk="1" latinLnBrk="0" hangingPunct="1">
+      <a:lvl7pPr marL="3962301" indent="-304792" algn="l" defTabSz="1219170" rtl="0" eaLnBrk="1" latinLnBrk="0" hangingPunct="1">
         <a:lnSpc>
           <a:spcPct val="90000"/>
         </a:lnSpc>
         <a:spcBef>
-          <a:spcPts val="500"/>
+          <a:spcPts val="667"/>
         </a:spcBef>
         <a:buFont typeface="Arial" panose="020B0604020202020204" pitchFamily="34" charset="0"/>
         <a:buChar char="•"/>
-        <a:defRPr sz="1800" kern="1200">
+        <a:defRPr sz="2400" kern="1200">
           <a:solidFill>
             <a:schemeClr val="tx1"/>
           </a:solidFill>
@@ -3173,16 +2819,16 @@
           <a:cs typeface="+mn-cs"/>
         </a:defRPr>
       </a:lvl7pPr>
-      <a:lvl8pPr marL="3429000" indent="-228600" algn="l" defTabSz="914400" rtl="0" eaLnBrk="1" latinLnBrk="0" hangingPunct="1">
+      <a:lvl8pPr marL="4571886" indent="-304792" algn="l" defTabSz="1219170" rtl="0" eaLnBrk="1" latinLnBrk="0" hangingPunct="1">
         <a:lnSpc>
           <a:spcPct val="90000"/>
         </a:lnSpc>
         <a:spcBef>
-          <a:spcPts val="500"/>
+          <a:spcPts val="667"/>
         </a:spcBef>
         <a:buFont typeface="Arial" panose="020B0604020202020204" pitchFamily="34" charset="0"/>
         <a:buChar char="•"/>
-        <a:defRPr sz="1800" kern="1200">
+        <a:defRPr sz="2400" kern="1200">
           <a:solidFill>
             <a:schemeClr val="tx1"/>
           </a:solidFill>
@@ -3191,16 +2837,16 @@
           <a:cs typeface="+mn-cs"/>
         </a:defRPr>
       </a:lvl8pPr>
-      <a:lvl9pPr marL="3886200" indent="-228600" algn="l" defTabSz="914400" rtl="0" eaLnBrk="1" latinLnBrk="0" hangingPunct="1">
+      <a:lvl9pPr marL="5181470" indent="-304792" algn="l" defTabSz="1219170" rtl="0" eaLnBrk="1" latinLnBrk="0" hangingPunct="1">
         <a:lnSpc>
           <a:spcPct val="90000"/>
         </a:lnSpc>
         <a:spcBef>
-          <a:spcPts val="500"/>
+          <a:spcPts val="667"/>
         </a:spcBef>
         <a:buFont typeface="Arial" panose="020B0604020202020204" pitchFamily="34" charset="0"/>
         <a:buChar char="•"/>
-        <a:defRPr sz="1800" kern="1200">
+        <a:defRPr sz="2400" kern="1200">
           <a:solidFill>
             <a:schemeClr val="tx1"/>
           </a:solidFill>
@@ -3214,8 +2860,8 @@
       <a:defPPr>
         <a:defRPr lang="en-US"/>
       </a:defPPr>
-      <a:lvl1pPr marL="0" algn="l" defTabSz="914400" rtl="0" eaLnBrk="1" latinLnBrk="0" hangingPunct="1">
-        <a:defRPr sz="1800" kern="1200">
+      <a:lvl1pPr marL="0" algn="l" defTabSz="1219170" rtl="0" eaLnBrk="1" latinLnBrk="0" hangingPunct="1">
+        <a:defRPr sz="2400" kern="1200">
           <a:solidFill>
             <a:schemeClr val="tx1"/>
           </a:solidFill>
@@ -3224,8 +2870,8 @@
           <a:cs typeface="+mn-cs"/>
         </a:defRPr>
       </a:lvl1pPr>
-      <a:lvl2pPr marL="457200" algn="l" defTabSz="914400" rtl="0" eaLnBrk="1" latinLnBrk="0" hangingPunct="1">
-        <a:defRPr sz="1800" kern="1200">
+      <a:lvl2pPr marL="609585" algn="l" defTabSz="1219170" rtl="0" eaLnBrk="1" latinLnBrk="0" hangingPunct="1">
+        <a:defRPr sz="2400" kern="1200">
           <a:solidFill>
             <a:schemeClr val="tx1"/>
           </a:solidFill>
@@ -3234,8 +2880,8 @@
           <a:cs typeface="+mn-cs"/>
         </a:defRPr>
       </a:lvl2pPr>
-      <a:lvl3pPr marL="914400" algn="l" defTabSz="914400" rtl="0" eaLnBrk="1" latinLnBrk="0" hangingPunct="1">
-        <a:defRPr sz="1800" kern="1200">
+      <a:lvl3pPr marL="1219170" algn="l" defTabSz="1219170" rtl="0" eaLnBrk="1" latinLnBrk="0" hangingPunct="1">
+        <a:defRPr sz="2400" kern="1200">
           <a:solidFill>
             <a:schemeClr val="tx1"/>
           </a:solidFill>
@@ -3244,8 +2890,8 @@
           <a:cs typeface="+mn-cs"/>
         </a:defRPr>
       </a:lvl3pPr>
-      <a:lvl4pPr marL="1371600" algn="l" defTabSz="914400" rtl="0" eaLnBrk="1" latinLnBrk="0" hangingPunct="1">
-        <a:defRPr sz="1800" kern="1200">
+      <a:lvl4pPr marL="1828754" algn="l" defTabSz="1219170" rtl="0" eaLnBrk="1" latinLnBrk="0" hangingPunct="1">
+        <a:defRPr sz="2400" kern="1200">
           <a:solidFill>
             <a:schemeClr val="tx1"/>
           </a:solidFill>
@@ -3254,8 +2900,8 @@
           <a:cs typeface="+mn-cs"/>
         </a:defRPr>
       </a:lvl4pPr>
-      <a:lvl5pPr marL="1828800" algn="l" defTabSz="914400" rtl="0" eaLnBrk="1" latinLnBrk="0" hangingPunct="1">
-        <a:defRPr sz="1800" kern="1200">
+      <a:lvl5pPr marL="2438339" algn="l" defTabSz="1219170" rtl="0" eaLnBrk="1" latinLnBrk="0" hangingPunct="1">
+        <a:defRPr sz="2400" kern="1200">
           <a:solidFill>
             <a:schemeClr val="tx1"/>
           </a:solidFill>
@@ -3264,8 +2910,8 @@
           <a:cs typeface="+mn-cs"/>
         </a:defRPr>
       </a:lvl5pPr>
-      <a:lvl6pPr marL="2286000" algn="l" defTabSz="914400" rtl="0" eaLnBrk="1" latinLnBrk="0" hangingPunct="1">
-        <a:defRPr sz="1800" kern="1200">
+      <a:lvl6pPr marL="3047924" algn="l" defTabSz="1219170" rtl="0" eaLnBrk="1" latinLnBrk="0" hangingPunct="1">
+        <a:defRPr sz="2400" kern="1200">
           <a:solidFill>
             <a:schemeClr val="tx1"/>
           </a:solidFill>
@@ -3274,8 +2920,8 @@
           <a:cs typeface="+mn-cs"/>
         </a:defRPr>
       </a:lvl6pPr>
-      <a:lvl7pPr marL="2743200" algn="l" defTabSz="914400" rtl="0" eaLnBrk="1" latinLnBrk="0" hangingPunct="1">
-        <a:defRPr sz="1800" kern="1200">
+      <a:lvl7pPr marL="3657509" algn="l" defTabSz="1219170" rtl="0" eaLnBrk="1" latinLnBrk="0" hangingPunct="1">
+        <a:defRPr sz="2400" kern="1200">
           <a:solidFill>
             <a:schemeClr val="tx1"/>
           </a:solidFill>
@@ -3284,8 +2930,8 @@
           <a:cs typeface="+mn-cs"/>
         </a:defRPr>
       </a:lvl7pPr>
-      <a:lvl8pPr marL="3200400" algn="l" defTabSz="914400" rtl="0" eaLnBrk="1" latinLnBrk="0" hangingPunct="1">
-        <a:defRPr sz="1800" kern="1200">
+      <a:lvl8pPr marL="4267093" algn="l" defTabSz="1219170" rtl="0" eaLnBrk="1" latinLnBrk="0" hangingPunct="1">
+        <a:defRPr sz="2400" kern="1200">
           <a:solidFill>
             <a:schemeClr val="tx1"/>
           </a:solidFill>
@@ -3294,8 +2940,8 @@
           <a:cs typeface="+mn-cs"/>
         </a:defRPr>
       </a:lvl8pPr>
-      <a:lvl9pPr marL="3657600" algn="l" defTabSz="914400" rtl="0" eaLnBrk="1" latinLnBrk="0" hangingPunct="1">
-        <a:defRPr sz="1800" kern="1200">
+      <a:lvl9pPr marL="4876678" algn="l" defTabSz="1219170" rtl="0" eaLnBrk="1" latinLnBrk="0" hangingPunct="1">
+        <a:defRPr sz="2400" kern="1200">
           <a:solidFill>
             <a:schemeClr val="tx1"/>
           </a:solidFill>
@@ -3355,7 +3001,7 @@
         </p:blipFill>
         <p:spPr bwMode="auto">
           <a:xfrm>
-            <a:off x="2203450" y="289991"/>
+            <a:off x="2203451" y="3718992"/>
             <a:ext cx="7440613" cy="6278017"/>
           </a:xfrm>
           <a:prstGeom prst="rect">
@@ -3383,6 +3029,7 @@
             </a:extLst>
           </p:cNvPr>
           <p:cNvCxnSpPr>
+            <a:cxnSpLocks/>
             <a:stCxn id="1026" idx="1"/>
             <a:endCxn id="1026" idx="3"/>
           </p:cNvCxnSpPr>
@@ -3390,7 +3037,7 @@
         </p:nvCxnSpPr>
         <p:spPr>
           <a:xfrm>
-            <a:off x="2203450" y="3429000"/>
+            <a:off x="2203451" y="6858000"/>
             <a:ext cx="7440613" cy="0"/>
           </a:xfrm>
           <a:prstGeom prst="line">
@@ -3431,7 +3078,7 @@
         </p:nvCxnSpPr>
         <p:spPr>
           <a:xfrm>
-            <a:off x="4659682" y="435279"/>
+            <a:off x="4659682" y="3864280"/>
             <a:ext cx="0" cy="5987441"/>
           </a:xfrm>
           <a:prstGeom prst="line">
@@ -3472,7 +3119,7 @@
         </p:nvCxnSpPr>
         <p:spPr>
           <a:xfrm>
-            <a:off x="7166975" y="435279"/>
+            <a:off x="7166975" y="3864280"/>
             <a:ext cx="0" cy="5987441"/>
           </a:xfrm>
           <a:prstGeom prst="line">
@@ -3506,12 +3153,439 @@
               </a:ext>
             </a:extLst>
           </p:cNvPr>
+          <p:cNvSpPr>
+            <a:spLocks/>
+          </p:cNvSpPr>
+          <p:nvPr/>
+        </p:nvSpPr>
+        <p:spPr>
+          <a:xfrm>
+            <a:off x="4496355" y="4450646"/>
+            <a:ext cx="326654" cy="548640"/>
+          </a:xfrm>
+          <a:prstGeom prst="rightArrow">
+            <a:avLst/>
+          </a:prstGeom>
+          <a:solidFill>
+            <a:schemeClr val="accent1">
+              <a:lumMod val="40000"/>
+              <a:lumOff val="60000"/>
+            </a:schemeClr>
+          </a:solidFill>
+        </p:spPr>
+        <p:style>
+          <a:lnRef idx="2">
+            <a:schemeClr val="accent1">
+              <a:shade val="50000"/>
+            </a:schemeClr>
+          </a:lnRef>
+          <a:fillRef idx="1">
+            <a:schemeClr val="accent1"/>
+          </a:fillRef>
+          <a:effectRef idx="0">
+            <a:schemeClr val="accent1"/>
+          </a:effectRef>
+          <a:fontRef idx="minor">
+            <a:schemeClr val="lt1"/>
+          </a:fontRef>
+        </p:style>
+        <p:txBody>
+          <a:bodyPr rtlCol="0" anchor="ctr"/>
+          <a:lstStyle/>
+          <a:p>
+            <a:pPr algn="ctr"/>
+            <a:endParaRPr lang="en-US"/>
+          </a:p>
+        </p:txBody>
+      </p:sp>
+      <p:sp>
+        <p:nvSpPr>
+          <p:cNvPr id="12" name="Right Arrow 11">
+            <a:extLst>
+              <a:ext uri="{FF2B5EF4-FFF2-40B4-BE49-F238E27FC236}">
+                <a16:creationId xmlns:a16="http://schemas.microsoft.com/office/drawing/2014/main" id="{E85A0319-5CBB-BD44-B81B-8DB8510F42EA}"/>
+              </a:ext>
+            </a:extLst>
+          </p:cNvPr>
+          <p:cNvSpPr>
+            <a:spLocks/>
+          </p:cNvSpPr>
+          <p:nvPr/>
+        </p:nvSpPr>
+        <p:spPr>
+          <a:xfrm>
+            <a:off x="7003648" y="4450645"/>
+            <a:ext cx="326654" cy="548640"/>
+          </a:xfrm>
+          <a:prstGeom prst="rightArrow">
+            <a:avLst/>
+          </a:prstGeom>
+          <a:solidFill>
+            <a:schemeClr val="accent1">
+              <a:lumMod val="40000"/>
+              <a:lumOff val="60000"/>
+            </a:schemeClr>
+          </a:solidFill>
+        </p:spPr>
+        <p:style>
+          <a:lnRef idx="2">
+            <a:schemeClr val="accent1">
+              <a:shade val="50000"/>
+            </a:schemeClr>
+          </a:lnRef>
+          <a:fillRef idx="1">
+            <a:schemeClr val="accent1"/>
+          </a:fillRef>
+          <a:effectRef idx="0">
+            <a:schemeClr val="accent1"/>
+          </a:effectRef>
+          <a:fontRef idx="minor">
+            <a:schemeClr val="lt1"/>
+          </a:fontRef>
+        </p:style>
+        <p:txBody>
+          <a:bodyPr rtlCol="0" anchor="ctr"/>
+          <a:lstStyle/>
+          <a:p>
+            <a:pPr algn="ctr"/>
+            <a:endParaRPr lang="en-US"/>
+          </a:p>
+        </p:txBody>
+      </p:sp>
+      <p:sp>
+        <p:nvSpPr>
+          <p:cNvPr id="14" name="Right Arrow 13">
+            <a:extLst>
+              <a:ext uri="{FF2B5EF4-FFF2-40B4-BE49-F238E27FC236}">
+                <a16:creationId xmlns:a16="http://schemas.microsoft.com/office/drawing/2014/main" id="{75276453-37A8-1441-A154-C231EAF7BF35}"/>
+              </a:ext>
+            </a:extLst>
+          </p:cNvPr>
+          <p:cNvSpPr>
+            <a:spLocks/>
+          </p:cNvSpPr>
+          <p:nvPr/>
+        </p:nvSpPr>
+        <p:spPr>
+          <a:xfrm>
+            <a:off x="4496355" y="7444368"/>
+            <a:ext cx="326654" cy="548640"/>
+          </a:xfrm>
+          <a:prstGeom prst="rightArrow">
+            <a:avLst/>
+          </a:prstGeom>
+          <a:solidFill>
+            <a:schemeClr val="accent2">
+              <a:lumMod val="20000"/>
+              <a:lumOff val="80000"/>
+            </a:schemeClr>
+          </a:solidFill>
+          <a:ln>
+            <a:solidFill>
+              <a:srgbClr val="FFC000"/>
+            </a:solidFill>
+          </a:ln>
+        </p:spPr>
+        <p:style>
+          <a:lnRef idx="2">
+            <a:schemeClr val="accent1">
+              <a:shade val="50000"/>
+            </a:schemeClr>
+          </a:lnRef>
+          <a:fillRef idx="1">
+            <a:schemeClr val="accent1"/>
+          </a:fillRef>
+          <a:effectRef idx="0">
+            <a:schemeClr val="accent1"/>
+          </a:effectRef>
+          <a:fontRef idx="minor">
+            <a:schemeClr val="lt1"/>
+          </a:fontRef>
+        </p:style>
+        <p:txBody>
+          <a:bodyPr rtlCol="0" anchor="ctr"/>
+          <a:lstStyle/>
+          <a:p>
+            <a:pPr algn="ctr"/>
+            <a:endParaRPr lang="en-US"/>
+          </a:p>
+        </p:txBody>
+      </p:sp>
+      <p:sp>
+        <p:nvSpPr>
+          <p:cNvPr id="15" name="Right Arrow 14">
+            <a:extLst>
+              <a:ext uri="{FF2B5EF4-FFF2-40B4-BE49-F238E27FC236}">
+                <a16:creationId xmlns:a16="http://schemas.microsoft.com/office/drawing/2014/main" id="{CBFF1ED7-26D5-9B4D-9638-14EEDBFB0657}"/>
+              </a:ext>
+            </a:extLst>
+          </p:cNvPr>
+          <p:cNvSpPr>
+            <a:spLocks/>
+          </p:cNvSpPr>
+          <p:nvPr/>
+        </p:nvSpPr>
+        <p:spPr>
+          <a:xfrm>
+            <a:off x="7003648" y="7444367"/>
+            <a:ext cx="326654" cy="548640"/>
+          </a:xfrm>
+          <a:prstGeom prst="rightArrow">
+            <a:avLst/>
+          </a:prstGeom>
+          <a:solidFill>
+            <a:schemeClr val="accent2">
+              <a:lumMod val="20000"/>
+              <a:lumOff val="80000"/>
+            </a:schemeClr>
+          </a:solidFill>
+          <a:ln>
+            <a:solidFill>
+              <a:srgbClr val="FFC000"/>
+            </a:solidFill>
+          </a:ln>
+        </p:spPr>
+        <p:style>
+          <a:lnRef idx="2">
+            <a:schemeClr val="accent1">
+              <a:shade val="50000"/>
+            </a:schemeClr>
+          </a:lnRef>
+          <a:fillRef idx="1">
+            <a:schemeClr val="accent1"/>
+          </a:fillRef>
+          <a:effectRef idx="0">
+            <a:schemeClr val="accent1"/>
+          </a:effectRef>
+          <a:fontRef idx="minor">
+            <a:schemeClr val="lt1"/>
+          </a:fontRef>
+        </p:style>
+        <p:txBody>
+          <a:bodyPr rtlCol="0" anchor="ctr"/>
+          <a:lstStyle/>
+          <a:p>
+            <a:pPr algn="ctr"/>
+            <a:endParaRPr lang="en-US"/>
+          </a:p>
+        </p:txBody>
+      </p:sp>
+    </p:spTree>
+    <p:extLst>
+      <p:ext uri="{BB962C8B-B14F-4D97-AF65-F5344CB8AC3E}">
+        <p14:creationId xmlns:p14="http://schemas.microsoft.com/office/powerpoint/2010/main" val="2090561665"/>
+      </p:ext>
+    </p:extLst>
+  </p:cSld>
+  <p:clrMapOvr>
+    <a:masterClrMapping/>
+  </p:clrMapOvr>
+</p:sld>
+</file>
+
+<file path=ppt/slides/slide2.xml><?xml version="1.0" encoding="utf-8"?>
+<p:sld xmlns:a="http://schemas.openxmlformats.org/drawingml/2006/main" xmlns:r="http://schemas.openxmlformats.org/officeDocument/2006/relationships" xmlns:p="http://schemas.openxmlformats.org/presentationml/2006/main">
+  <p:cSld>
+    <p:spTree>
+      <p:nvGrpSpPr>
+        <p:cNvPr id="1" name=""/>
+        <p:cNvGrpSpPr/>
+        <p:nvPr/>
+      </p:nvGrpSpPr>
+      <p:grpSpPr>
+        <a:xfrm>
+          <a:off x="0" y="0"/>
+          <a:ext cx="0" cy="0"/>
+          <a:chOff x="0" y="0"/>
+          <a:chExt cx="0" cy="0"/>
+        </a:xfrm>
+      </p:grpSpPr>
+      <p:pic>
+        <p:nvPicPr>
+          <p:cNvPr id="1026" name="Picture 2" descr="Kruskal's algorithm - C# Data Structures and Algorithms [Book]">
+            <a:extLst>
+              <a:ext uri="{FF2B5EF4-FFF2-40B4-BE49-F238E27FC236}">
+                <a16:creationId xmlns:a16="http://schemas.microsoft.com/office/drawing/2014/main" id="{0AE19F01-5C2E-424D-8FE6-2CF3B6668669}"/>
+              </a:ext>
+            </a:extLst>
+          </p:cNvPr>
+          <p:cNvPicPr>
+            <a:picLocks noChangeAspect="1" noChangeArrowheads="1"/>
+          </p:cNvPicPr>
+          <p:nvPr/>
+        </p:nvPicPr>
+        <p:blipFill>
+          <a:blip r:embed="rId2">
+            <a:extLst>
+              <a:ext uri="{28A0092B-C50C-407E-A947-70E740481C1C}">
+                <a14:useLocalDpi xmlns:a14="http://schemas.microsoft.com/office/drawing/2010/main" val="0"/>
+              </a:ext>
+            </a:extLst>
+          </a:blip>
+          <a:srcRect/>
+          <a:stretch>
+            <a:fillRect/>
+          </a:stretch>
+        </p:blipFill>
+        <p:spPr bwMode="auto">
+          <a:xfrm>
+            <a:off x="2203451" y="3718992"/>
+            <a:ext cx="7440613" cy="6278017"/>
+          </a:xfrm>
+          <a:prstGeom prst="rect">
+            <a:avLst/>
+          </a:prstGeom>
+          <a:noFill/>
+          <a:extLst>
+            <a:ext uri="{909E8E84-426E-40DD-AFC4-6F175D3DCCD1}">
+              <a14:hiddenFill xmlns:a14="http://schemas.microsoft.com/office/drawing/2010/main">
+                <a:solidFill>
+                  <a:srgbClr val="FFFFFF"/>
+                </a:solidFill>
+              </a14:hiddenFill>
+            </a:ext>
+          </a:extLst>
+        </p:spPr>
+      </p:pic>
+      <p:cxnSp>
+        <p:nvCxnSpPr>
+          <p:cNvPr id="3" name="Straight Connector 2">
+            <a:extLst>
+              <a:ext uri="{FF2B5EF4-FFF2-40B4-BE49-F238E27FC236}">
+                <a16:creationId xmlns:a16="http://schemas.microsoft.com/office/drawing/2014/main" id="{0D5895EF-0F02-3542-969E-3D78A4AD7AB7}"/>
+              </a:ext>
+            </a:extLst>
+          </p:cNvPr>
+          <p:cNvCxnSpPr>
+            <a:stCxn id="1026" idx="1"/>
+            <a:endCxn id="1026" idx="3"/>
+          </p:cNvCxnSpPr>
+          <p:nvPr/>
+        </p:nvCxnSpPr>
+        <p:spPr>
+          <a:xfrm>
+            <a:off x="2203451" y="6858000"/>
+            <a:ext cx="7440613" cy="0"/>
+          </a:xfrm>
+          <a:prstGeom prst="line">
+            <a:avLst/>
+          </a:prstGeom>
+          <a:ln w="12700">
+            <a:prstDash val="lgDash"/>
+          </a:ln>
+        </p:spPr>
+        <p:style>
+          <a:lnRef idx="1">
+            <a:schemeClr val="dk1"/>
+          </a:lnRef>
+          <a:fillRef idx="0">
+            <a:schemeClr val="dk1"/>
+          </a:fillRef>
+          <a:effectRef idx="0">
+            <a:schemeClr val="dk1"/>
+          </a:effectRef>
+          <a:fontRef idx="minor">
+            <a:schemeClr val="tx1"/>
+          </a:fontRef>
+        </p:style>
+      </p:cxnSp>
+      <p:cxnSp>
+        <p:nvCxnSpPr>
+          <p:cNvPr id="5" name="Straight Connector 4">
+            <a:extLst>
+              <a:ext uri="{FF2B5EF4-FFF2-40B4-BE49-F238E27FC236}">
+                <a16:creationId xmlns:a16="http://schemas.microsoft.com/office/drawing/2014/main" id="{DBA05854-AEF0-A64B-84F8-A71EF84D891D}"/>
+              </a:ext>
+            </a:extLst>
+          </p:cNvPr>
+          <p:cNvCxnSpPr>
+            <a:cxnSpLocks/>
+          </p:cNvCxnSpPr>
+          <p:nvPr/>
+        </p:nvCxnSpPr>
+        <p:spPr>
+          <a:xfrm>
+            <a:off x="4659682" y="3864280"/>
+            <a:ext cx="0" cy="5987441"/>
+          </a:xfrm>
+          <a:prstGeom prst="line">
+            <a:avLst/>
+          </a:prstGeom>
+          <a:ln w="12700">
+            <a:prstDash val="lgDash"/>
+          </a:ln>
+        </p:spPr>
+        <p:style>
+          <a:lnRef idx="1">
+            <a:schemeClr val="dk1"/>
+          </a:lnRef>
+          <a:fillRef idx="0">
+            <a:schemeClr val="dk1"/>
+          </a:fillRef>
+          <a:effectRef idx="0">
+            <a:schemeClr val="dk1"/>
+          </a:effectRef>
+          <a:fontRef idx="minor">
+            <a:schemeClr val="tx1"/>
+          </a:fontRef>
+        </p:style>
+      </p:cxnSp>
+      <p:cxnSp>
+        <p:nvCxnSpPr>
+          <p:cNvPr id="8" name="Straight Connector 7">
+            <a:extLst>
+              <a:ext uri="{FF2B5EF4-FFF2-40B4-BE49-F238E27FC236}">
+                <a16:creationId xmlns:a16="http://schemas.microsoft.com/office/drawing/2014/main" id="{616C8C4F-2499-644E-B9B4-5D3A7DF38CE6}"/>
+              </a:ext>
+            </a:extLst>
+          </p:cNvPr>
+          <p:cNvCxnSpPr>
+            <a:cxnSpLocks/>
+          </p:cNvCxnSpPr>
+          <p:nvPr/>
+        </p:nvCxnSpPr>
+        <p:spPr>
+          <a:xfrm>
+            <a:off x="7166975" y="3864280"/>
+            <a:ext cx="0" cy="5987441"/>
+          </a:xfrm>
+          <a:prstGeom prst="line">
+            <a:avLst/>
+          </a:prstGeom>
+          <a:ln w="12700">
+            <a:prstDash val="lgDash"/>
+          </a:ln>
+        </p:spPr>
+        <p:style>
+          <a:lnRef idx="1">
+            <a:schemeClr val="dk1"/>
+          </a:lnRef>
+          <a:fillRef idx="0">
+            <a:schemeClr val="dk1"/>
+          </a:fillRef>
+          <a:effectRef idx="0">
+            <a:schemeClr val="dk1"/>
+          </a:effectRef>
+          <a:fontRef idx="minor">
+            <a:schemeClr val="tx1"/>
+          </a:fontRef>
+        </p:style>
+      </p:cxnSp>
+      <p:sp>
+        <p:nvSpPr>
+          <p:cNvPr id="10" name="Right Arrow 9">
+            <a:extLst>
+              <a:ext uri="{FF2B5EF4-FFF2-40B4-BE49-F238E27FC236}">
+                <a16:creationId xmlns:a16="http://schemas.microsoft.com/office/drawing/2014/main" id="{009DB987-E3F3-1D4F-9044-E158C05EDEA8}"/>
+              </a:ext>
+            </a:extLst>
+          </p:cNvPr>
           <p:cNvSpPr/>
           <p:nvPr/>
         </p:nvSpPr>
         <p:spPr>
           <a:xfrm>
-            <a:off x="4496355" y="1440571"/>
+            <a:off x="4496355" y="4869572"/>
             <a:ext cx="326654" cy="983137"/>
           </a:xfrm>
           <a:prstGeom prst="rightArrow">
@@ -3563,7 +3637,7 @@
         </p:nvSpPr>
         <p:spPr>
           <a:xfrm>
-            <a:off x="7003648" y="1440570"/>
+            <a:off x="7003648" y="4869571"/>
             <a:ext cx="326654" cy="983137"/>
           </a:xfrm>
           <a:prstGeom prst="rightArrow">
@@ -3615,7 +3689,7 @@
         </p:nvSpPr>
         <p:spPr>
           <a:xfrm>
-            <a:off x="4496355" y="4449784"/>
+            <a:off x="4496355" y="7878785"/>
             <a:ext cx="326654" cy="983137"/>
           </a:xfrm>
           <a:prstGeom prst="rightArrow">
@@ -3672,7 +3746,7 @@
         </p:nvSpPr>
         <p:spPr>
           <a:xfrm>
-            <a:off x="7003648" y="4449783"/>
+            <a:off x="7003648" y="7878784"/>
             <a:ext cx="326654" cy="983137"/>
           </a:xfrm>
           <a:prstGeom prst="rightArrow">
@@ -3718,7 +3792,7 @@
     </p:spTree>
     <p:extLst>
       <p:ext uri="{BB962C8B-B14F-4D97-AF65-F5344CB8AC3E}">
-        <p14:creationId xmlns:p14="http://schemas.microsoft.com/office/powerpoint/2010/main" val="2090561665"/>
+        <p14:creationId xmlns:p14="http://schemas.microsoft.com/office/powerpoint/2010/main" val="4086979502"/>
       </p:ext>
     </p:extLst>
   </p:cSld>
@@ -3731,7 +3805,7 @@
 <file path=ppt/theme/theme1.xml><?xml version="1.0" encoding="utf-8"?>
 <a:theme xmlns:a="http://schemas.openxmlformats.org/drawingml/2006/main" name="Office Theme">
   <a:themeElements>
-    <a:clrScheme name="Office">
+    <a:clrScheme name="Office Theme">
       <a:dk1>
         <a:sysClr val="windowText" lastClr="000000"/>
       </a:dk1>
@@ -3769,7 +3843,7 @@
         <a:srgbClr val="954F72"/>
       </a:folHlink>
     </a:clrScheme>
-    <a:fontScheme name="Office">
+    <a:fontScheme name="Office Theme">
       <a:majorFont>
         <a:latin typeface="Calibri Light" panose="020F0302020204030204"/>
         <a:ea typeface=""/>
@@ -3804,23 +3878,6 @@
         <a:font script="Viet" typeface="Times New Roman"/>
         <a:font script="Uigh" typeface="Microsoft Uighur"/>
         <a:font script="Geor" typeface="Sylfaen"/>
-        <a:font script="Armn" typeface="Arial"/>
-        <a:font script="Bugi" typeface="Leelawadee UI"/>
-        <a:font script="Bopo" typeface="Microsoft JhengHei"/>
-        <a:font script="Java" typeface="Javanese Text"/>
-        <a:font script="Lisu" typeface="Segoe UI"/>
-        <a:font script="Mymr" typeface="Myanmar Text"/>
-        <a:font script="Nkoo" typeface="Ebrima"/>
-        <a:font script="Olck" typeface="Nirmala UI"/>
-        <a:font script="Osma" typeface="Ebrima"/>
-        <a:font script="Phag" typeface="Phagspa"/>
-        <a:font script="Syrn" typeface="Estrangelo Edessa"/>
-        <a:font script="Syrj" typeface="Estrangelo Edessa"/>
-        <a:font script="Syre" typeface="Estrangelo Edessa"/>
-        <a:font script="Sora" typeface="Nirmala UI"/>
-        <a:font script="Tale" typeface="Microsoft Tai Le"/>
-        <a:font script="Talu" typeface="Microsoft New Tai Lue"/>
-        <a:font script="Tfng" typeface="Ebrima"/>
       </a:majorFont>
       <a:minorFont>
         <a:latin typeface="Calibri" panose="020F0502020204030204"/>
@@ -3856,26 +3913,9 @@
         <a:font script="Viet" typeface="Arial"/>
         <a:font script="Uigh" typeface="Microsoft Uighur"/>
         <a:font script="Geor" typeface="Sylfaen"/>
-        <a:font script="Armn" typeface="Arial"/>
-        <a:font script="Bugi" typeface="Leelawadee UI"/>
-        <a:font script="Bopo" typeface="Microsoft JhengHei"/>
-        <a:font script="Java" typeface="Javanese Text"/>
-        <a:font script="Lisu" typeface="Segoe UI"/>
-        <a:font script="Mymr" typeface="Myanmar Text"/>
-        <a:font script="Nkoo" typeface="Ebrima"/>
-        <a:font script="Olck" typeface="Nirmala UI"/>
-        <a:font script="Osma" typeface="Ebrima"/>
-        <a:font script="Phag" typeface="Phagspa"/>
-        <a:font script="Syrn" typeface="Estrangelo Edessa"/>
-        <a:font script="Syrj" typeface="Estrangelo Edessa"/>
-        <a:font script="Syre" typeface="Estrangelo Edessa"/>
-        <a:font script="Sora" typeface="Nirmala UI"/>
-        <a:font script="Tale" typeface="Microsoft Tai Le"/>
-        <a:font script="Talu" typeface="Microsoft New Tai Lue"/>
-        <a:font script="Tfng" typeface="Ebrima"/>
       </a:minorFont>
     </a:fontScheme>
-    <a:fmtScheme name="Office">
+    <a:fmtScheme name="Office Theme">
       <a:fillStyleLst>
         <a:solidFill>
           <a:schemeClr val="phClr"/>
@@ -4017,7 +4057,7 @@
   <a:extraClrSchemeLst/>
   <a:extLst>
     <a:ext uri="{05A4C25C-085E-4340-85A3-A5531E510DB2}">
-      <thm15:themeFamily xmlns:thm15="http://schemas.microsoft.com/office/thememl/2012/main" name="Office Theme" id="{62F939B6-93AF-4DB8-9C6B-D6C7DFDC589F}" vid="{4A3C46E8-61CC-4603-A589-7422A47A8E4A}"/>
+      <thm15:themeFamily xmlns:thm15="http://schemas.microsoft.com/office/thememl/2012/main" name="Office 2013 - 2022 Theme" id="{62F939B6-93AF-4DB8-9C6B-D6C7DFDC589F}" vid="{4A3C46E8-61CC-4603-A589-7422A47A8E4A}"/>
     </a:ext>
   </a:extLst>
 </a:theme>
